--- a/presentation/PresentAPI.pptx
+++ b/presentation/PresentAPI.pptx
@@ -6,10 +6,13 @@
   </p:sldMasterIdLst>
   <p:sldIdLst>
     <p:sldId id="256" r:id="rId2"/>
-    <p:sldId id="257" r:id="rId3"/>
-    <p:sldId id="258" r:id="rId4"/>
-    <p:sldId id="259" r:id="rId5"/>
-    <p:sldId id="260" r:id="rId6"/>
+    <p:sldId id="258" r:id="rId3"/>
+    <p:sldId id="263" r:id="rId4"/>
+    <p:sldId id="262" r:id="rId5"/>
+    <p:sldId id="261" r:id="rId6"/>
+    <p:sldId id="259" r:id="rId7"/>
+    <p:sldId id="260" r:id="rId8"/>
+    <p:sldId id="257" r:id="rId9"/>
   </p:sldIdLst>
   <p:sldSz cx="9144000" cy="6858000" type="screen4x3"/>
   <p:notesSz cx="6858000" cy="9144000"/>
@@ -292,7 +295,7 @@
           <a:p>
             <a:fld id="{595688FA-7E8E-4316-9006-6ADC30B3B7D0}" type="datetimeFigureOut">
               <a:rPr lang="en-US" smtClean="0"/>
-              <a:t>10/22/2015</a:t>
+              <a:t>11/14/2015</a:t>
             </a:fld>
             <a:endParaRPr lang="en-US"/>
           </a:p>
@@ -462,7 +465,7 @@
           <a:p>
             <a:fld id="{595688FA-7E8E-4316-9006-6ADC30B3B7D0}" type="datetimeFigureOut">
               <a:rPr lang="en-US" smtClean="0"/>
-              <a:t>10/22/2015</a:t>
+              <a:t>11/14/2015</a:t>
             </a:fld>
             <a:endParaRPr lang="en-US"/>
           </a:p>
@@ -642,7 +645,7 @@
           <a:p>
             <a:fld id="{595688FA-7E8E-4316-9006-6ADC30B3B7D0}" type="datetimeFigureOut">
               <a:rPr lang="en-US" smtClean="0"/>
-              <a:t>10/22/2015</a:t>
+              <a:t>11/14/2015</a:t>
             </a:fld>
             <a:endParaRPr lang="en-US"/>
           </a:p>
@@ -812,7 +815,7 @@
           <a:p>
             <a:fld id="{595688FA-7E8E-4316-9006-6ADC30B3B7D0}" type="datetimeFigureOut">
               <a:rPr lang="en-US" smtClean="0"/>
-              <a:t>10/22/2015</a:t>
+              <a:t>11/14/2015</a:t>
             </a:fld>
             <a:endParaRPr lang="en-US"/>
           </a:p>
@@ -1058,7 +1061,7 @@
           <a:p>
             <a:fld id="{595688FA-7E8E-4316-9006-6ADC30B3B7D0}" type="datetimeFigureOut">
               <a:rPr lang="en-US" smtClean="0"/>
-              <a:t>10/22/2015</a:t>
+              <a:t>11/14/2015</a:t>
             </a:fld>
             <a:endParaRPr lang="en-US"/>
           </a:p>
@@ -1346,7 +1349,7 @@
           <a:p>
             <a:fld id="{595688FA-7E8E-4316-9006-6ADC30B3B7D0}" type="datetimeFigureOut">
               <a:rPr lang="en-US" smtClean="0"/>
-              <a:t>10/22/2015</a:t>
+              <a:t>11/14/2015</a:t>
             </a:fld>
             <a:endParaRPr lang="en-US"/>
           </a:p>
@@ -1768,7 +1771,7 @@
           <a:p>
             <a:fld id="{595688FA-7E8E-4316-9006-6ADC30B3B7D0}" type="datetimeFigureOut">
               <a:rPr lang="en-US" smtClean="0"/>
-              <a:t>10/22/2015</a:t>
+              <a:t>11/14/2015</a:t>
             </a:fld>
             <a:endParaRPr lang="en-US"/>
           </a:p>
@@ -1886,7 +1889,7 @@
           <a:p>
             <a:fld id="{595688FA-7E8E-4316-9006-6ADC30B3B7D0}" type="datetimeFigureOut">
               <a:rPr lang="en-US" smtClean="0"/>
-              <a:t>10/22/2015</a:t>
+              <a:t>11/14/2015</a:t>
             </a:fld>
             <a:endParaRPr lang="en-US"/>
           </a:p>
@@ -1981,7 +1984,7 @@
           <a:p>
             <a:fld id="{595688FA-7E8E-4316-9006-6ADC30B3B7D0}" type="datetimeFigureOut">
               <a:rPr lang="en-US" smtClean="0"/>
-              <a:t>10/22/2015</a:t>
+              <a:t>11/14/2015</a:t>
             </a:fld>
             <a:endParaRPr lang="en-US"/>
           </a:p>
@@ -2258,7 +2261,7 @@
           <a:p>
             <a:fld id="{595688FA-7E8E-4316-9006-6ADC30B3B7D0}" type="datetimeFigureOut">
               <a:rPr lang="en-US" smtClean="0"/>
-              <a:t>10/22/2015</a:t>
+              <a:t>11/14/2015</a:t>
             </a:fld>
             <a:endParaRPr lang="en-US"/>
           </a:p>
@@ -2511,7 +2514,7 @@
           <a:p>
             <a:fld id="{595688FA-7E8E-4316-9006-6ADC30B3B7D0}" type="datetimeFigureOut">
               <a:rPr lang="en-US" smtClean="0"/>
-              <a:t>10/22/2015</a:t>
+              <a:t>11/14/2015</a:t>
             </a:fld>
             <a:endParaRPr lang="en-US"/>
           </a:p>
@@ -2724,7 +2727,7 @@
           <a:p>
             <a:fld id="{595688FA-7E8E-4316-9006-6ADC30B3B7D0}" type="datetimeFigureOut">
               <a:rPr lang="en-US" smtClean="0"/>
-              <a:t>10/22/2015</a:t>
+              <a:t>11/14/2015</a:t>
             </a:fld>
             <a:endParaRPr lang="en-US"/>
           </a:p>
@@ -3114,7 +3117,11 @@
           <a:bodyPr/>
           <a:lstStyle/>
           <a:p>
-            <a:endParaRPr lang="en-US"/>
+            <a:r>
+              <a:rPr lang="en-US" dirty="0" smtClean="0"/>
+              <a:t>Implementation</a:t>
+            </a:r>
+            <a:endParaRPr lang="en-US" dirty="0"/>
           </a:p>
         </p:txBody>
       </p:sp>
@@ -3133,7 +3140,15 @@
           <a:bodyPr/>
           <a:lstStyle/>
           <a:p>
-            <a:endParaRPr lang="en-US"/>
+            <a:r>
+              <a:rPr lang="en-US" dirty="0" smtClean="0"/>
+              <a:t>Jacob Bechtel Matt </a:t>
+            </a:r>
+            <a:r>
+              <a:rPr lang="en-US" dirty="0" err="1" smtClean="0"/>
+              <a:t>Mcarthy</a:t>
+            </a:r>
+            <a:endParaRPr lang="en-US" dirty="0"/>
           </a:p>
         </p:txBody>
       </p:sp>
@@ -3147,6 +3162,13 @@
   <p:clrMapOvr>
     <a:masterClrMapping/>
   </p:clrMapOvr>
+  <p:timing>
+    <p:tnLst>
+      <p:par>
+        <p:cTn id="1" dur="indefinite" restart="never" nodeType="tmRoot"/>
+      </p:par>
+    </p:tnLst>
+  </p:timing>
 </p:sld>
 </file>
 
@@ -3179,67 +3201,93 @@
         </p:nvSpPr>
         <p:spPr/>
         <p:txBody>
+          <a:bodyPr>
+            <a:normAutofit fontScale="90000"/>
+          </a:bodyPr>
+          <a:lstStyle/>
+          <a:p>
+            <a:r>
+              <a:rPr lang="en-US" dirty="0" smtClean="0"/>
+              <a:t>Characteristics of Good Implementation</a:t>
+            </a:r>
+            <a:endParaRPr lang="en-US" dirty="0"/>
+          </a:p>
+        </p:txBody>
+      </p:sp>
+      <p:sp>
+        <p:nvSpPr>
+          <p:cNvPr id="3" name="Content Placeholder 2"/>
+          <p:cNvSpPr>
+            <a:spLocks noGrp="1"/>
+          </p:cNvSpPr>
+          <p:nvPr>
+            <p:ph idx="1"/>
+          </p:nvPr>
+        </p:nvSpPr>
+        <p:spPr/>
+        <p:txBody>
           <a:bodyPr/>
           <a:lstStyle/>
           <a:p>
             <a:r>
               <a:rPr lang="en-US" dirty="0" smtClean="0"/>
-              <a:t>Software Implementation</a:t>
-            </a:r>
-            <a:endParaRPr lang="en-US" dirty="0"/>
-          </a:p>
-        </p:txBody>
-      </p:sp>
-      <p:sp>
-        <p:nvSpPr>
-          <p:cNvPr id="3" name="Content Placeholder 2"/>
-          <p:cNvSpPr>
-            <a:spLocks noGrp="1"/>
-          </p:cNvSpPr>
-          <p:nvPr>
-            <p:ph idx="1"/>
-          </p:nvPr>
-        </p:nvSpPr>
-        <p:spPr/>
-        <p:txBody>
-          <a:bodyPr/>
-          <a:lstStyle/>
+              <a:t>Readability</a:t>
+            </a:r>
+          </a:p>
           <a:p>
             <a:r>
               <a:rPr lang="en-US" dirty="0" smtClean="0"/>
-              <a:t>JAVADOC</a:t>
-            </a:r>
-          </a:p>
-          <a:p>
-            <a:r>
-              <a:rPr lang="en-US" dirty="0" err="1" smtClean="0"/>
-              <a:t>Pimpl</a:t>
-            </a:r>
+              <a:t>Maintainability</a:t>
+            </a:r>
+          </a:p>
+          <a:p>
             <a:r>
               <a:rPr lang="en-US" dirty="0" smtClean="0"/>
-              <a:t> Idiom</a:t>
-            </a:r>
-          </a:p>
-          <a:p>
-            <a:endParaRPr lang="en-US" dirty="0"/>
+              <a:t>Performance</a:t>
+            </a:r>
+          </a:p>
+          <a:p>
+            <a:r>
+              <a:rPr lang="en-US" dirty="0" smtClean="0"/>
+              <a:t>Traceability</a:t>
+            </a:r>
+          </a:p>
+          <a:p>
+            <a:r>
+              <a:rPr lang="en-US" dirty="0" smtClean="0"/>
+              <a:t>Correctness</a:t>
+            </a:r>
+          </a:p>
+          <a:p>
+            <a:r>
+              <a:rPr lang="en-US" dirty="0" smtClean="0"/>
+              <a:t>Completeness</a:t>
+            </a:r>
           </a:p>
         </p:txBody>
       </p:sp>
     </p:spTree>
     <p:extLst>
       <p:ext uri="{BB962C8B-B14F-4D97-AF65-F5344CB8AC3E}">
-        <p14:creationId xmlns:p14="http://schemas.microsoft.com/office/powerpoint/2010/main" val="4066566472"/>
+        <p14:creationId xmlns:p14="http://schemas.microsoft.com/office/powerpoint/2010/main" val="2584064220"/>
       </p:ext>
     </p:extLst>
   </p:cSld>
   <p:clrMapOvr>
     <a:masterClrMapping/>
   </p:clrMapOvr>
+  <p:timing>
+    <p:tnLst>
+      <p:par>
+        <p:cTn id="1" dur="indefinite" restart="never" nodeType="tmRoot"/>
+      </p:par>
+    </p:tnLst>
+  </p:timing>
 </p:sld>
 </file>
 
 <file path=ppt/slides/slide3.xml><?xml version="1.0" encoding="utf-8"?>
-<p:sld xmlns:a="http://schemas.openxmlformats.org/drawingml/2006/main" xmlns:r="http://schemas.openxmlformats.org/officeDocument/2006/relationships" xmlns:p="http://schemas.openxmlformats.org/presentationml/2006/main">
+<p:sld xmlns:a="http://schemas.openxmlformats.org/drawingml/2006/main" xmlns:r="http://schemas.openxmlformats.org/officeDocument/2006/relationships" xmlns:p="http://schemas.openxmlformats.org/presentationml/2006/main" show="0">
   <p:cSld>
     <p:spTree>
       <p:nvGrpSpPr>
@@ -3280,68 +3328,83 @@
           </a:p>
         </p:txBody>
       </p:sp>
-      <p:sp>
-        <p:nvSpPr>
-          <p:cNvPr id="3" name="Content Placeholder 2"/>
-          <p:cNvSpPr>
-            <a:spLocks noGrp="1"/>
-          </p:cNvSpPr>
-          <p:nvPr>
-            <p:ph idx="1"/>
-          </p:nvPr>
-        </p:nvSpPr>
-        <p:spPr/>
-        <p:txBody>
-          <a:bodyPr/>
-          <a:lstStyle/>
-          <a:p>
-            <a:r>
-              <a:rPr lang="en-US" dirty="0" smtClean="0"/>
-              <a:t>Readability</a:t>
-            </a:r>
-          </a:p>
-          <a:p>
-            <a:r>
-              <a:rPr lang="en-US" dirty="0" smtClean="0"/>
-              <a:t>Maintainability</a:t>
-            </a:r>
-          </a:p>
-          <a:p>
-            <a:r>
-              <a:rPr lang="en-US" dirty="0" smtClean="0"/>
-              <a:t>Performance</a:t>
-            </a:r>
-          </a:p>
-          <a:p>
-            <a:r>
-              <a:rPr lang="en-US" dirty="0" smtClean="0"/>
-              <a:t>Traceability</a:t>
-            </a:r>
-          </a:p>
-          <a:p>
-            <a:r>
-              <a:rPr lang="en-US" dirty="0" smtClean="0"/>
-              <a:t>Correctness</a:t>
-            </a:r>
-          </a:p>
-          <a:p>
-            <a:r>
-              <a:rPr lang="en-US" dirty="0" smtClean="0"/>
-              <a:t>Completeness</a:t>
-            </a:r>
-          </a:p>
-        </p:txBody>
-      </p:sp>
+      <p:pic>
+        <p:nvPicPr>
+          <p:cNvPr id="1026" name="Picture 2"/>
+          <p:cNvPicPr>
+            <a:picLocks noChangeAspect="1" noChangeArrowheads="1"/>
+          </p:cNvPicPr>
+          <p:nvPr/>
+        </p:nvPicPr>
+        <p:blipFill rotWithShape="1">
+          <a:blip r:embed="rId2">
+            <a:extLst>
+              <a:ext uri="{28A0092B-C50C-407E-A947-70E740481C1C}">
+                <a14:useLocalDpi xmlns:a14="http://schemas.microsoft.com/office/drawing/2010/main" val="0"/>
+              </a:ext>
+            </a:extLst>
+          </a:blip>
+          <a:srcRect l="13834" t="17262" r="6295" b="24999"/>
+          <a:stretch/>
+        </p:blipFill>
+        <p:spPr bwMode="auto">
+          <a:xfrm>
+            <a:off x="32657" y="2011926"/>
+            <a:ext cx="9111343" cy="3703074"/>
+          </a:xfrm>
+          <a:prstGeom prst="rect">
+            <a:avLst/>
+          </a:prstGeom>
+          <a:noFill/>
+          <a:ln>
+            <a:noFill/>
+          </a:ln>
+          <a:extLst>
+            <a:ext uri="{909E8E84-426E-40DD-AFC4-6F175D3DCCD1}">
+              <a14:hiddenFill xmlns:a14="http://schemas.microsoft.com/office/drawing/2010/main">
+                <a:solidFill>
+                  <a:schemeClr val="accent1"/>
+                </a:solidFill>
+              </a14:hiddenFill>
+            </a:ext>
+            <a:ext uri="{91240B29-F687-4F45-9708-019B960494DF}">
+              <a14:hiddenLine xmlns:a14="http://schemas.microsoft.com/office/drawing/2010/main" w="9525">
+                <a:solidFill>
+                  <a:schemeClr val="tx1"/>
+                </a:solidFill>
+                <a:miter lim="800000"/>
+                <a:headEnd/>
+                <a:tailEnd/>
+              </a14:hiddenLine>
+            </a:ext>
+          </a:extLst>
+        </p:spPr>
+      </p:pic>
     </p:spTree>
     <p:extLst>
       <p:ext uri="{BB962C8B-B14F-4D97-AF65-F5344CB8AC3E}">
-        <p14:creationId xmlns:p14="http://schemas.microsoft.com/office/powerpoint/2010/main" val="2584064220"/>
+        <p14:creationId xmlns:p14="http://schemas.microsoft.com/office/powerpoint/2010/main" val="1698706933"/>
       </p:ext>
     </p:extLst>
   </p:cSld>
   <p:clrMapOvr>
     <a:masterClrMapping/>
   </p:clrMapOvr>
+  <mc:AlternateContent xmlns:mc="http://schemas.openxmlformats.org/markup-compatibility/2006">
+    <mc:Choice xmlns:p14="http://schemas.microsoft.com/office/powerpoint/2010/main" Requires="p14">
+      <p:transition spd="slow" p14:dur="2000"/>
+    </mc:Choice>
+    <mc:Fallback>
+      <p:transition spd="slow"/>
+    </mc:Fallback>
+  </mc:AlternateContent>
+  <p:timing>
+    <p:tnLst>
+      <p:par>
+        <p:cTn id="1" dur="indefinite" restart="never" nodeType="tmRoot"/>
+      </p:par>
+    </p:tnLst>
+  </p:timing>
 </p:sld>
 </file>
 
@@ -3379,7 +3442,7 @@
           <a:p>
             <a:r>
               <a:rPr lang="en-US" dirty="0" smtClean="0"/>
-              <a:t>Coding Guidelines</a:t>
+              <a:t>Readability</a:t>
             </a:r>
             <a:endParaRPr lang="en-US" dirty="0"/>
           </a:p>
@@ -3395,58 +3458,1594 @@
             <p:ph idx="1"/>
           </p:nvPr>
         </p:nvSpPr>
-        <p:spPr/>
-        <p:txBody>
-          <a:bodyPr/>
+        <p:spPr>
+          <a:xfrm>
+            <a:off x="228600" y="1482436"/>
+            <a:ext cx="3276600" cy="2708564"/>
+          </a:xfrm>
+        </p:spPr>
+        <p:txBody>
+          <a:bodyPr>
+            <a:normAutofit fontScale="47500" lnSpcReduction="20000"/>
+          </a:bodyPr>
           <a:lstStyle/>
           <a:p>
-            <a:r>
-              <a:rPr lang="en-US" dirty="0" smtClean="0"/>
-              <a:t>Naming (Naming, Variables)</a:t>
-            </a:r>
-          </a:p>
-          <a:p>
-            <a:r>
-              <a:rPr lang="en-US" dirty="0" smtClean="0"/>
-              <a:t>Consistency</a:t>
-            </a:r>
-          </a:p>
-          <a:p>
-            <a:r>
-              <a:rPr lang="en-US" dirty="0" smtClean="0"/>
-              <a:t>Case (Camel, Underscore)</a:t>
-            </a:r>
-          </a:p>
-          <a:p>
-            <a:r>
-              <a:rPr lang="en-US" dirty="0" smtClean="0"/>
-              <a:t>Indentation (DO IT!)</a:t>
-            </a:r>
-          </a:p>
-          <a:p>
-            <a:r>
-              <a:rPr lang="en-US" dirty="0" smtClean="0"/>
-              <a:t>Function Size</a:t>
-            </a:r>
-          </a:p>
-          <a:p>
-            <a:r>
-              <a:rPr lang="en-US" dirty="0" smtClean="0"/>
-              <a:t>Comments</a:t>
-            </a:r>
+            <a:pPr marL="0" indent="0">
+              <a:buNone/>
+            </a:pPr>
+            <a:r>
+              <a:rPr lang="en-US" b="1" dirty="0" smtClean="0">
+                <a:latin typeface="Arial" panose="020B0604020202020204" pitchFamily="34" charset="0"/>
+                <a:cs typeface="Arial" panose="020B0604020202020204" pitchFamily="34" charset="0"/>
+              </a:rPr>
+              <a:t>Public static </a:t>
+            </a:r>
+            <a:r>
+              <a:rPr lang="en-US" b="1" dirty="0" err="1" smtClean="0">
+                <a:latin typeface="Arial" panose="020B0604020202020204" pitchFamily="34" charset="0"/>
+                <a:cs typeface="Arial" panose="020B0604020202020204" pitchFamily="34" charset="0"/>
+              </a:rPr>
+              <a:t>int</a:t>
+            </a:r>
+            <a:r>
+              <a:rPr lang="en-US" b="1" dirty="0" smtClean="0">
+                <a:latin typeface="Arial" panose="020B0604020202020204" pitchFamily="34" charset="0"/>
+                <a:cs typeface="Arial" panose="020B0604020202020204" pitchFamily="34" charset="0"/>
+              </a:rPr>
+              <a:t> largest(</a:t>
+            </a:r>
+            <a:r>
+              <a:rPr lang="en-US" b="1" dirty="0" err="1" smtClean="0">
+                <a:latin typeface="Arial" panose="020B0604020202020204" pitchFamily="34" charset="0"/>
+                <a:cs typeface="Arial" panose="020B0604020202020204" pitchFamily="34" charset="0"/>
+              </a:rPr>
+              <a:t>int</a:t>
+            </a:r>
+            <a:r>
+              <a:rPr lang="en-US" b="1" dirty="0" smtClean="0">
+                <a:latin typeface="Arial" panose="020B0604020202020204" pitchFamily="34" charset="0"/>
+                <a:cs typeface="Arial" panose="020B0604020202020204" pitchFamily="34" charset="0"/>
+              </a:rPr>
+              <a:t> </a:t>
+            </a:r>
+            <a:r>
+              <a:rPr lang="en-US" b="1" dirty="0" err="1" smtClean="0">
+                <a:latin typeface="Arial" panose="020B0604020202020204" pitchFamily="34" charset="0"/>
+                <a:cs typeface="Arial" panose="020B0604020202020204" pitchFamily="34" charset="0"/>
+              </a:rPr>
+              <a:t>arr</a:t>
+            </a:r>
+            <a:r>
+              <a:rPr lang="en-US" b="1" dirty="0" smtClean="0">
+                <a:latin typeface="Arial" panose="020B0604020202020204" pitchFamily="34" charset="0"/>
+                <a:cs typeface="Arial" panose="020B0604020202020204" pitchFamily="34" charset="0"/>
+              </a:rPr>
+              <a:t>[]){</a:t>
+            </a:r>
+          </a:p>
+          <a:p>
+            <a:pPr marL="0" indent="0">
+              <a:buNone/>
+            </a:pPr>
+            <a:r>
+              <a:rPr lang="en-US" b="1" dirty="0" smtClean="0">
+                <a:latin typeface="Arial" panose="020B0604020202020204" pitchFamily="34" charset="0"/>
+                <a:cs typeface="Arial" panose="020B0604020202020204" pitchFamily="34" charset="0"/>
+              </a:rPr>
+              <a:t>assert(</a:t>
+            </a:r>
+            <a:r>
+              <a:rPr lang="en-US" b="1" dirty="0" err="1" smtClean="0">
+                <a:latin typeface="Arial" panose="020B0604020202020204" pitchFamily="34" charset="0"/>
+                <a:cs typeface="Arial" panose="020B0604020202020204" pitchFamily="34" charset="0"/>
+              </a:rPr>
+              <a:t>arr.length</a:t>
+            </a:r>
+            <a:r>
+              <a:rPr lang="en-US" b="1" dirty="0" smtClean="0">
+                <a:latin typeface="Arial" panose="020B0604020202020204" pitchFamily="34" charset="0"/>
+                <a:cs typeface="Arial" panose="020B0604020202020204" pitchFamily="34" charset="0"/>
+              </a:rPr>
+              <a:t>&gt;0);</a:t>
+            </a:r>
+          </a:p>
+          <a:p>
+            <a:pPr marL="0" indent="0">
+              <a:buNone/>
+            </a:pPr>
+            <a:r>
+              <a:rPr lang="en-US" b="1" dirty="0" err="1" smtClean="0">
+                <a:latin typeface="Arial" panose="020B0604020202020204" pitchFamily="34" charset="0"/>
+                <a:cs typeface="Arial" panose="020B0604020202020204" pitchFamily="34" charset="0"/>
+              </a:rPr>
+              <a:t>int</a:t>
+            </a:r>
+            <a:r>
+              <a:rPr lang="en-US" b="1" dirty="0" smtClean="0">
+                <a:latin typeface="Arial" panose="020B0604020202020204" pitchFamily="34" charset="0"/>
+                <a:cs typeface="Arial" panose="020B0604020202020204" pitchFamily="34" charset="0"/>
+              </a:rPr>
+              <a:t> </a:t>
+            </a:r>
+            <a:r>
+              <a:rPr lang="en-US" b="1" dirty="0" err="1" smtClean="0">
+                <a:latin typeface="Arial" panose="020B0604020202020204" pitchFamily="34" charset="0"/>
+                <a:cs typeface="Arial" panose="020B0604020202020204" pitchFamily="34" charset="0"/>
+              </a:rPr>
+              <a:t>curLargest</a:t>
+            </a:r>
+            <a:r>
+              <a:rPr lang="en-US" b="1" dirty="0" smtClean="0">
+                <a:latin typeface="Arial" panose="020B0604020202020204" pitchFamily="34" charset="0"/>
+                <a:cs typeface="Arial" panose="020B0604020202020204" pitchFamily="34" charset="0"/>
+              </a:rPr>
+              <a:t>=</a:t>
+            </a:r>
+            <a:r>
+              <a:rPr lang="en-US" b="1" dirty="0" err="1" smtClean="0">
+                <a:latin typeface="Arial" panose="020B0604020202020204" pitchFamily="34" charset="0"/>
+                <a:cs typeface="Arial" panose="020B0604020202020204" pitchFamily="34" charset="0"/>
+              </a:rPr>
+              <a:t>arr</a:t>
+            </a:r>
+            <a:r>
+              <a:rPr lang="en-US" b="1" dirty="0" smtClean="0">
+                <a:latin typeface="Arial" panose="020B0604020202020204" pitchFamily="34" charset="0"/>
+                <a:cs typeface="Arial" panose="020B0604020202020204" pitchFamily="34" charset="0"/>
+              </a:rPr>
+              <a:t>[0];</a:t>
+            </a:r>
+          </a:p>
+          <a:p>
+            <a:pPr marL="0" indent="0">
+              <a:buNone/>
+            </a:pPr>
+            <a:r>
+              <a:rPr lang="en-US" b="1" dirty="0" smtClean="0">
+                <a:latin typeface="Arial" panose="020B0604020202020204" pitchFamily="34" charset="0"/>
+                <a:cs typeface="Arial" panose="020B0604020202020204" pitchFamily="34" charset="0"/>
+              </a:rPr>
+              <a:t>for(</a:t>
+            </a:r>
+            <a:r>
+              <a:rPr lang="en-US" b="1" dirty="0" err="1" smtClean="0">
+                <a:latin typeface="Arial" panose="020B0604020202020204" pitchFamily="34" charset="0"/>
+                <a:cs typeface="Arial" panose="020B0604020202020204" pitchFamily="34" charset="0"/>
+              </a:rPr>
+              <a:t>int</a:t>
+            </a:r>
+            <a:r>
+              <a:rPr lang="en-US" b="1" dirty="0" smtClean="0">
+                <a:latin typeface="Arial" panose="020B0604020202020204" pitchFamily="34" charset="0"/>
+                <a:cs typeface="Arial" panose="020B0604020202020204" pitchFamily="34" charset="0"/>
+              </a:rPr>
+              <a:t> </a:t>
+            </a:r>
+            <a:r>
+              <a:rPr lang="en-US" b="1" dirty="0" err="1" smtClean="0">
+                <a:latin typeface="Arial" panose="020B0604020202020204" pitchFamily="34" charset="0"/>
+                <a:cs typeface="Arial" panose="020B0604020202020204" pitchFamily="34" charset="0"/>
+              </a:rPr>
+              <a:t>i</a:t>
+            </a:r>
+            <a:r>
+              <a:rPr lang="en-US" b="1" dirty="0" smtClean="0">
+                <a:latin typeface="Arial" panose="020B0604020202020204" pitchFamily="34" charset="0"/>
+                <a:cs typeface="Arial" panose="020B0604020202020204" pitchFamily="34" charset="0"/>
+              </a:rPr>
+              <a:t>=0;i&lt;</a:t>
+            </a:r>
+            <a:r>
+              <a:rPr lang="en-US" b="1" dirty="0" err="1" smtClean="0">
+                <a:latin typeface="Arial" panose="020B0604020202020204" pitchFamily="34" charset="0"/>
+                <a:cs typeface="Arial" panose="020B0604020202020204" pitchFamily="34" charset="0"/>
+              </a:rPr>
+              <a:t>arr.length</a:t>
+            </a:r>
+            <a:r>
+              <a:rPr lang="en-US" b="1" dirty="0" smtClean="0">
+                <a:latin typeface="Arial" panose="020B0604020202020204" pitchFamily="34" charset="0"/>
+                <a:cs typeface="Arial" panose="020B0604020202020204" pitchFamily="34" charset="0"/>
+              </a:rPr>
+              <a:t>();++</a:t>
+            </a:r>
+            <a:r>
+              <a:rPr lang="en-US" b="1" dirty="0" err="1" smtClean="0">
+                <a:latin typeface="Arial" panose="020B0604020202020204" pitchFamily="34" charset="0"/>
+                <a:cs typeface="Arial" panose="020B0604020202020204" pitchFamily="34" charset="0"/>
+              </a:rPr>
+              <a:t>i</a:t>
+            </a:r>
+            <a:r>
+              <a:rPr lang="en-US" b="1" dirty="0" smtClean="0">
+                <a:latin typeface="Arial" panose="020B0604020202020204" pitchFamily="34" charset="0"/>
+                <a:cs typeface="Arial" panose="020B0604020202020204" pitchFamily="34" charset="0"/>
+              </a:rPr>
+              <a:t>){</a:t>
+            </a:r>
+          </a:p>
+          <a:p>
+            <a:pPr marL="0" indent="0">
+              <a:buNone/>
+            </a:pPr>
+            <a:r>
+              <a:rPr lang="en-US" b="1" dirty="0" smtClean="0">
+                <a:latin typeface="Arial" panose="020B0604020202020204" pitchFamily="34" charset="0"/>
+                <a:cs typeface="Arial" panose="020B0604020202020204" pitchFamily="34" charset="0"/>
+              </a:rPr>
+              <a:t>if(</a:t>
+            </a:r>
+            <a:r>
+              <a:rPr lang="en-US" b="1" dirty="0" err="1" smtClean="0">
+                <a:latin typeface="Arial" panose="020B0604020202020204" pitchFamily="34" charset="0"/>
+                <a:cs typeface="Arial" panose="020B0604020202020204" pitchFamily="34" charset="0"/>
+              </a:rPr>
+              <a:t>arr</a:t>
+            </a:r>
+            <a:r>
+              <a:rPr lang="en-US" b="1" dirty="0" smtClean="0">
+                <a:latin typeface="Arial" panose="020B0604020202020204" pitchFamily="34" charset="0"/>
+                <a:cs typeface="Arial" panose="020B0604020202020204" pitchFamily="34" charset="0"/>
+              </a:rPr>
+              <a:t>[</a:t>
+            </a:r>
+            <a:r>
+              <a:rPr lang="en-US" b="1" dirty="0" err="1" smtClean="0">
+                <a:latin typeface="Arial" panose="020B0604020202020204" pitchFamily="34" charset="0"/>
+                <a:cs typeface="Arial" panose="020B0604020202020204" pitchFamily="34" charset="0"/>
+              </a:rPr>
+              <a:t>i</a:t>
+            </a:r>
+            <a:r>
+              <a:rPr lang="en-US" b="1" dirty="0" smtClean="0">
+                <a:latin typeface="Arial" panose="020B0604020202020204" pitchFamily="34" charset="0"/>
+                <a:cs typeface="Arial" panose="020B0604020202020204" pitchFamily="34" charset="0"/>
+              </a:rPr>
+              <a:t>]&gt;</a:t>
+            </a:r>
+            <a:r>
+              <a:rPr lang="en-US" b="1" dirty="0" err="1" smtClean="0">
+                <a:latin typeface="Arial" panose="020B0604020202020204" pitchFamily="34" charset="0"/>
+                <a:cs typeface="Arial" panose="020B0604020202020204" pitchFamily="34" charset="0"/>
+              </a:rPr>
+              <a:t>curLargest</a:t>
+            </a:r>
+            <a:r>
+              <a:rPr lang="en-US" b="1" dirty="0" smtClean="0">
+                <a:latin typeface="Arial" panose="020B0604020202020204" pitchFamily="34" charset="0"/>
+                <a:cs typeface="Arial" panose="020B0604020202020204" pitchFamily="34" charset="0"/>
+              </a:rPr>
+              <a:t>)</a:t>
+            </a:r>
+          </a:p>
+          <a:p>
+            <a:pPr marL="0" indent="0">
+              <a:buNone/>
+            </a:pPr>
+            <a:r>
+              <a:rPr lang="en-US" b="1" dirty="0" err="1" smtClean="0">
+                <a:latin typeface="Arial" panose="020B0604020202020204" pitchFamily="34" charset="0"/>
+                <a:cs typeface="Arial" panose="020B0604020202020204" pitchFamily="34" charset="0"/>
+              </a:rPr>
+              <a:t>curLargest</a:t>
+            </a:r>
+            <a:r>
+              <a:rPr lang="en-US" b="1" dirty="0" smtClean="0">
+                <a:latin typeface="Arial" panose="020B0604020202020204" pitchFamily="34" charset="0"/>
+                <a:cs typeface="Arial" panose="020B0604020202020204" pitchFamily="34" charset="0"/>
+              </a:rPr>
+              <a:t>=</a:t>
+            </a:r>
+            <a:r>
+              <a:rPr lang="en-US" b="1" dirty="0" err="1" smtClean="0">
+                <a:latin typeface="Arial" panose="020B0604020202020204" pitchFamily="34" charset="0"/>
+                <a:cs typeface="Arial" panose="020B0604020202020204" pitchFamily="34" charset="0"/>
+              </a:rPr>
+              <a:t>arr</a:t>
+            </a:r>
+            <a:r>
+              <a:rPr lang="en-US" b="1" dirty="0" smtClean="0">
+                <a:latin typeface="Arial" panose="020B0604020202020204" pitchFamily="34" charset="0"/>
+                <a:cs typeface="Arial" panose="020B0604020202020204" pitchFamily="34" charset="0"/>
+              </a:rPr>
+              <a:t>[</a:t>
+            </a:r>
+            <a:r>
+              <a:rPr lang="en-US" b="1" dirty="0" err="1" smtClean="0">
+                <a:latin typeface="Arial" panose="020B0604020202020204" pitchFamily="34" charset="0"/>
+                <a:cs typeface="Arial" panose="020B0604020202020204" pitchFamily="34" charset="0"/>
+              </a:rPr>
+              <a:t>i</a:t>
+            </a:r>
+            <a:r>
+              <a:rPr lang="en-US" b="1" dirty="0" smtClean="0">
+                <a:latin typeface="Arial" panose="020B0604020202020204" pitchFamily="34" charset="0"/>
+                <a:cs typeface="Arial" panose="020B0604020202020204" pitchFamily="34" charset="0"/>
+              </a:rPr>
+              <a:t>];</a:t>
+            </a:r>
+          </a:p>
+          <a:p>
+            <a:pPr marL="0" indent="0">
+              <a:buNone/>
+            </a:pPr>
+            <a:r>
+              <a:rPr lang="en-US" b="1" dirty="0" smtClean="0">
+                <a:latin typeface="Arial" panose="020B0604020202020204" pitchFamily="34" charset="0"/>
+                <a:cs typeface="Arial" panose="020B0604020202020204" pitchFamily="34" charset="0"/>
+              </a:rPr>
+              <a:t>}</a:t>
+            </a:r>
+          </a:p>
+          <a:p>
+            <a:pPr marL="0" indent="0">
+              <a:buNone/>
+            </a:pPr>
+            <a:r>
+              <a:rPr lang="en-US" b="1" dirty="0" smtClean="0">
+                <a:latin typeface="Arial" panose="020B0604020202020204" pitchFamily="34" charset="0"/>
+                <a:cs typeface="Arial" panose="020B0604020202020204" pitchFamily="34" charset="0"/>
+              </a:rPr>
+              <a:t>return </a:t>
+            </a:r>
+            <a:r>
+              <a:rPr lang="en-US" b="1" dirty="0" err="1" smtClean="0">
+                <a:latin typeface="Arial" panose="020B0604020202020204" pitchFamily="34" charset="0"/>
+                <a:cs typeface="Arial" panose="020B0604020202020204" pitchFamily="34" charset="0"/>
+              </a:rPr>
+              <a:t>curLargest</a:t>
+            </a:r>
+            <a:r>
+              <a:rPr lang="en-US" b="1" dirty="0" smtClean="0">
+                <a:latin typeface="Arial" panose="020B0604020202020204" pitchFamily="34" charset="0"/>
+                <a:cs typeface="Arial" panose="020B0604020202020204" pitchFamily="34" charset="0"/>
+              </a:rPr>
+              <a:t>;</a:t>
+            </a:r>
+          </a:p>
+          <a:p>
+            <a:pPr marL="0" indent="0">
+              <a:buNone/>
+            </a:pPr>
+            <a:r>
+              <a:rPr lang="en-US" b="1" dirty="0" smtClean="0">
+                <a:latin typeface="Arial" panose="020B0604020202020204" pitchFamily="34" charset="0"/>
+                <a:cs typeface="Arial" panose="020B0604020202020204" pitchFamily="34" charset="0"/>
+              </a:rPr>
+              <a:t>}</a:t>
+            </a:r>
+          </a:p>
+          <a:p>
+            <a:endParaRPr lang="en-US" b="1" dirty="0">
+              <a:latin typeface="Arial" panose="020B0604020202020204" pitchFamily="34" charset="0"/>
+              <a:cs typeface="Arial" panose="020B0604020202020204" pitchFamily="34" charset="0"/>
+            </a:endParaRPr>
+          </a:p>
+        </p:txBody>
+      </p:sp>
+      <p:sp>
+        <p:nvSpPr>
+          <p:cNvPr id="4" name="Content Placeholder 2"/>
+          <p:cNvSpPr txBox="1">
+            <a:spLocks/>
+          </p:cNvSpPr>
+          <p:nvPr/>
+        </p:nvSpPr>
+        <p:spPr>
+          <a:xfrm>
+            <a:off x="4953000" y="1496290"/>
+            <a:ext cx="3810000" cy="2694710"/>
+          </a:xfrm>
+          <a:prstGeom prst="rect">
+            <a:avLst/>
+          </a:prstGeom>
+        </p:spPr>
+        <p:txBody>
+          <a:bodyPr vert="horz" lIns="91440" tIns="45720" rIns="91440" bIns="45720" rtlCol="0">
+            <a:normAutofit fontScale="47500" lnSpcReduction="20000"/>
+          </a:bodyPr>
+          <a:lstStyle>
+            <a:lvl1pPr marL="342900" indent="-342900" algn="l" defTabSz="914400" rtl="0" eaLnBrk="1" latinLnBrk="0" hangingPunct="1">
+              <a:spcBef>
+                <a:spcPct val="20000"/>
+              </a:spcBef>
+              <a:buFont typeface="Arial" panose="020B0604020202020204" pitchFamily="34" charset="0"/>
+              <a:buChar char="•"/>
+              <a:defRPr sz="3200" kern="1200">
+                <a:solidFill>
+                  <a:schemeClr val="tx1"/>
+                </a:solidFill>
+                <a:latin typeface="+mn-lt"/>
+                <a:ea typeface="+mn-ea"/>
+                <a:cs typeface="+mn-cs"/>
+              </a:defRPr>
+            </a:lvl1pPr>
+            <a:lvl2pPr marL="742950" indent="-285750" algn="l" defTabSz="914400" rtl="0" eaLnBrk="1" latinLnBrk="0" hangingPunct="1">
+              <a:spcBef>
+                <a:spcPct val="20000"/>
+              </a:spcBef>
+              <a:buFont typeface="Arial" panose="020B0604020202020204" pitchFamily="34" charset="0"/>
+              <a:buChar char="–"/>
+              <a:defRPr sz="2800" kern="1200">
+                <a:solidFill>
+                  <a:schemeClr val="tx1"/>
+                </a:solidFill>
+                <a:latin typeface="+mn-lt"/>
+                <a:ea typeface="+mn-ea"/>
+                <a:cs typeface="+mn-cs"/>
+              </a:defRPr>
+            </a:lvl2pPr>
+            <a:lvl3pPr marL="1143000" indent="-228600" algn="l" defTabSz="914400" rtl="0" eaLnBrk="1" latinLnBrk="0" hangingPunct="1">
+              <a:spcBef>
+                <a:spcPct val="20000"/>
+              </a:spcBef>
+              <a:buFont typeface="Arial" panose="020B0604020202020204" pitchFamily="34" charset="0"/>
+              <a:buChar char="•"/>
+              <a:defRPr sz="2400" kern="1200">
+                <a:solidFill>
+                  <a:schemeClr val="tx1"/>
+                </a:solidFill>
+                <a:latin typeface="+mn-lt"/>
+                <a:ea typeface="+mn-ea"/>
+                <a:cs typeface="+mn-cs"/>
+              </a:defRPr>
+            </a:lvl3pPr>
+            <a:lvl4pPr marL="1600200" indent="-228600" algn="l" defTabSz="914400" rtl="0" eaLnBrk="1" latinLnBrk="0" hangingPunct="1">
+              <a:spcBef>
+                <a:spcPct val="20000"/>
+              </a:spcBef>
+              <a:buFont typeface="Arial" panose="020B0604020202020204" pitchFamily="34" charset="0"/>
+              <a:buChar char="–"/>
+              <a:defRPr sz="2000" kern="1200">
+                <a:solidFill>
+                  <a:schemeClr val="tx1"/>
+                </a:solidFill>
+                <a:latin typeface="+mn-lt"/>
+                <a:ea typeface="+mn-ea"/>
+                <a:cs typeface="+mn-cs"/>
+              </a:defRPr>
+            </a:lvl4pPr>
+            <a:lvl5pPr marL="2057400" indent="-228600" algn="l" defTabSz="914400" rtl="0" eaLnBrk="1" latinLnBrk="0" hangingPunct="1">
+              <a:spcBef>
+                <a:spcPct val="20000"/>
+              </a:spcBef>
+              <a:buFont typeface="Arial" panose="020B0604020202020204" pitchFamily="34" charset="0"/>
+              <a:buChar char="»"/>
+              <a:defRPr sz="2000" kern="1200">
+                <a:solidFill>
+                  <a:schemeClr val="tx1"/>
+                </a:solidFill>
+                <a:latin typeface="+mn-lt"/>
+                <a:ea typeface="+mn-ea"/>
+                <a:cs typeface="+mn-cs"/>
+              </a:defRPr>
+            </a:lvl5pPr>
+            <a:lvl6pPr marL="2514600" indent="-228600" algn="l" defTabSz="914400" rtl="0" eaLnBrk="1" latinLnBrk="0" hangingPunct="1">
+              <a:spcBef>
+                <a:spcPct val="20000"/>
+              </a:spcBef>
+              <a:buFont typeface="Arial" panose="020B0604020202020204" pitchFamily="34" charset="0"/>
+              <a:buChar char="•"/>
+              <a:defRPr sz="2000" kern="1200">
+                <a:solidFill>
+                  <a:schemeClr val="tx1"/>
+                </a:solidFill>
+                <a:latin typeface="+mn-lt"/>
+                <a:ea typeface="+mn-ea"/>
+                <a:cs typeface="+mn-cs"/>
+              </a:defRPr>
+            </a:lvl6pPr>
+            <a:lvl7pPr marL="2971800" indent="-228600" algn="l" defTabSz="914400" rtl="0" eaLnBrk="1" latinLnBrk="0" hangingPunct="1">
+              <a:spcBef>
+                <a:spcPct val="20000"/>
+              </a:spcBef>
+              <a:buFont typeface="Arial" panose="020B0604020202020204" pitchFamily="34" charset="0"/>
+              <a:buChar char="•"/>
+              <a:defRPr sz="2000" kern="1200">
+                <a:solidFill>
+                  <a:schemeClr val="tx1"/>
+                </a:solidFill>
+                <a:latin typeface="+mn-lt"/>
+                <a:ea typeface="+mn-ea"/>
+                <a:cs typeface="+mn-cs"/>
+              </a:defRPr>
+            </a:lvl7pPr>
+            <a:lvl8pPr marL="3429000" indent="-228600" algn="l" defTabSz="914400" rtl="0" eaLnBrk="1" latinLnBrk="0" hangingPunct="1">
+              <a:spcBef>
+                <a:spcPct val="20000"/>
+              </a:spcBef>
+              <a:buFont typeface="Arial" panose="020B0604020202020204" pitchFamily="34" charset="0"/>
+              <a:buChar char="•"/>
+              <a:defRPr sz="2000" kern="1200">
+                <a:solidFill>
+                  <a:schemeClr val="tx1"/>
+                </a:solidFill>
+                <a:latin typeface="+mn-lt"/>
+                <a:ea typeface="+mn-ea"/>
+                <a:cs typeface="+mn-cs"/>
+              </a:defRPr>
+            </a:lvl8pPr>
+            <a:lvl9pPr marL="3886200" indent="-228600" algn="l" defTabSz="914400" rtl="0" eaLnBrk="1" latinLnBrk="0" hangingPunct="1">
+              <a:spcBef>
+                <a:spcPct val="20000"/>
+              </a:spcBef>
+              <a:buFont typeface="Arial" panose="020B0604020202020204" pitchFamily="34" charset="0"/>
+              <a:buChar char="•"/>
+              <a:defRPr sz="2000" kern="1200">
+                <a:solidFill>
+                  <a:schemeClr val="tx1"/>
+                </a:solidFill>
+                <a:latin typeface="+mn-lt"/>
+                <a:ea typeface="+mn-ea"/>
+                <a:cs typeface="+mn-cs"/>
+              </a:defRPr>
+            </a:lvl9pPr>
+          </a:lstStyle>
+          <a:p>
+            <a:pPr marL="0" indent="0">
+              <a:buFont typeface="Arial" panose="020B0604020202020204" pitchFamily="34" charset="0"/>
+              <a:buNone/>
+            </a:pPr>
+            <a:r>
+              <a:rPr lang="en-US" b="1" dirty="0" smtClean="0">
+                <a:latin typeface="Arial" panose="020B0604020202020204" pitchFamily="34" charset="0"/>
+                <a:cs typeface="Arial" panose="020B0604020202020204" pitchFamily="34" charset="0"/>
+              </a:rPr>
+              <a:t>Public static </a:t>
+            </a:r>
+            <a:r>
+              <a:rPr lang="en-US" b="1" dirty="0" err="1" smtClean="0">
+                <a:latin typeface="Arial" panose="020B0604020202020204" pitchFamily="34" charset="0"/>
+                <a:cs typeface="Arial" panose="020B0604020202020204" pitchFamily="34" charset="0"/>
+              </a:rPr>
+              <a:t>int</a:t>
+            </a:r>
+            <a:r>
+              <a:rPr lang="en-US" b="1" dirty="0" smtClean="0">
+                <a:latin typeface="Arial" panose="020B0604020202020204" pitchFamily="34" charset="0"/>
+                <a:cs typeface="Arial" panose="020B0604020202020204" pitchFamily="34" charset="0"/>
+              </a:rPr>
+              <a:t> largest(</a:t>
+            </a:r>
+            <a:r>
+              <a:rPr lang="en-US" b="1" dirty="0" err="1" smtClean="0">
+                <a:latin typeface="Arial" panose="020B0604020202020204" pitchFamily="34" charset="0"/>
+                <a:cs typeface="Arial" panose="020B0604020202020204" pitchFamily="34" charset="0"/>
+              </a:rPr>
+              <a:t>int</a:t>
+            </a:r>
+            <a:r>
+              <a:rPr lang="en-US" b="1" dirty="0" smtClean="0">
+                <a:latin typeface="Arial" panose="020B0604020202020204" pitchFamily="34" charset="0"/>
+                <a:cs typeface="Arial" panose="020B0604020202020204" pitchFamily="34" charset="0"/>
+              </a:rPr>
+              <a:t> </a:t>
+            </a:r>
+            <a:r>
+              <a:rPr lang="en-US" b="1" dirty="0" err="1" smtClean="0">
+                <a:latin typeface="Arial" panose="020B0604020202020204" pitchFamily="34" charset="0"/>
+                <a:cs typeface="Arial" panose="020B0604020202020204" pitchFamily="34" charset="0"/>
+              </a:rPr>
+              <a:t>arr</a:t>
+            </a:r>
+            <a:r>
+              <a:rPr lang="en-US" b="1" dirty="0" smtClean="0">
+                <a:latin typeface="Arial" panose="020B0604020202020204" pitchFamily="34" charset="0"/>
+                <a:cs typeface="Arial" panose="020B0604020202020204" pitchFamily="34" charset="0"/>
+              </a:rPr>
+              <a:t>[]){</a:t>
+            </a:r>
+          </a:p>
+          <a:p>
+            <a:pPr marL="0" indent="0">
+              <a:buFont typeface="Arial" panose="020B0604020202020204" pitchFamily="34" charset="0"/>
+              <a:buNone/>
+            </a:pPr>
+            <a:r>
+              <a:rPr lang="en-US" b="1" dirty="0" smtClean="0">
+                <a:latin typeface="Arial" panose="020B0604020202020204" pitchFamily="34" charset="0"/>
+                <a:cs typeface="Arial" panose="020B0604020202020204" pitchFamily="34" charset="0"/>
+              </a:rPr>
+              <a:t>      assert(</a:t>
+            </a:r>
+            <a:r>
+              <a:rPr lang="en-US" b="1" dirty="0" err="1" smtClean="0">
+                <a:latin typeface="Arial" panose="020B0604020202020204" pitchFamily="34" charset="0"/>
+                <a:cs typeface="Arial" panose="020B0604020202020204" pitchFamily="34" charset="0"/>
+              </a:rPr>
+              <a:t>arr.length</a:t>
+            </a:r>
+            <a:r>
+              <a:rPr lang="en-US" b="1" dirty="0" smtClean="0">
+                <a:latin typeface="Arial" panose="020B0604020202020204" pitchFamily="34" charset="0"/>
+                <a:cs typeface="Arial" panose="020B0604020202020204" pitchFamily="34" charset="0"/>
+              </a:rPr>
+              <a:t>&gt;0);</a:t>
+            </a:r>
+          </a:p>
+          <a:p>
+            <a:pPr marL="0" indent="0">
+              <a:buFont typeface="Arial" panose="020B0604020202020204" pitchFamily="34" charset="0"/>
+              <a:buNone/>
+            </a:pPr>
+            <a:r>
+              <a:rPr lang="en-US" b="1" dirty="0" smtClean="0">
+                <a:latin typeface="Arial" panose="020B0604020202020204" pitchFamily="34" charset="0"/>
+                <a:cs typeface="Arial" panose="020B0604020202020204" pitchFamily="34" charset="0"/>
+              </a:rPr>
+              <a:t>           </a:t>
+            </a:r>
+            <a:r>
+              <a:rPr lang="en-US" b="1" dirty="0" err="1" smtClean="0">
+                <a:latin typeface="Arial" panose="020B0604020202020204" pitchFamily="34" charset="0"/>
+                <a:cs typeface="Arial" panose="020B0604020202020204" pitchFamily="34" charset="0"/>
+              </a:rPr>
+              <a:t>int</a:t>
+            </a:r>
+            <a:r>
+              <a:rPr lang="en-US" b="1" dirty="0" smtClean="0">
+                <a:latin typeface="Arial" panose="020B0604020202020204" pitchFamily="34" charset="0"/>
+                <a:cs typeface="Arial" panose="020B0604020202020204" pitchFamily="34" charset="0"/>
+              </a:rPr>
+              <a:t> </a:t>
+            </a:r>
+            <a:r>
+              <a:rPr lang="en-US" b="1" dirty="0" err="1" smtClean="0">
+                <a:latin typeface="Arial" panose="020B0604020202020204" pitchFamily="34" charset="0"/>
+                <a:cs typeface="Arial" panose="020B0604020202020204" pitchFamily="34" charset="0"/>
+              </a:rPr>
+              <a:t>curLargest</a:t>
+            </a:r>
+            <a:r>
+              <a:rPr lang="en-US" b="1" dirty="0" smtClean="0">
+                <a:latin typeface="Arial" panose="020B0604020202020204" pitchFamily="34" charset="0"/>
+                <a:cs typeface="Arial" panose="020B0604020202020204" pitchFamily="34" charset="0"/>
+              </a:rPr>
+              <a:t> = </a:t>
+            </a:r>
+            <a:r>
+              <a:rPr lang="en-US" b="1" dirty="0" err="1" smtClean="0">
+                <a:latin typeface="Arial" panose="020B0604020202020204" pitchFamily="34" charset="0"/>
+                <a:cs typeface="Arial" panose="020B0604020202020204" pitchFamily="34" charset="0"/>
+              </a:rPr>
+              <a:t>arr</a:t>
+            </a:r>
+            <a:r>
+              <a:rPr lang="en-US" b="1" dirty="0" smtClean="0">
+                <a:latin typeface="Arial" panose="020B0604020202020204" pitchFamily="34" charset="0"/>
+                <a:cs typeface="Arial" panose="020B0604020202020204" pitchFamily="34" charset="0"/>
+              </a:rPr>
+              <a:t>[0];</a:t>
+            </a:r>
+          </a:p>
+          <a:p>
+            <a:pPr marL="0" indent="0">
+              <a:buFont typeface="Arial" panose="020B0604020202020204" pitchFamily="34" charset="0"/>
+              <a:buNone/>
+            </a:pPr>
+            <a:r>
+              <a:rPr lang="en-US" b="1" dirty="0" smtClean="0">
+                <a:latin typeface="Arial" panose="020B0604020202020204" pitchFamily="34" charset="0"/>
+                <a:cs typeface="Arial" panose="020B0604020202020204" pitchFamily="34" charset="0"/>
+              </a:rPr>
+              <a:t>      for(</a:t>
+            </a:r>
+            <a:r>
+              <a:rPr lang="en-US" b="1" dirty="0" err="1" smtClean="0">
+                <a:latin typeface="Arial" panose="020B0604020202020204" pitchFamily="34" charset="0"/>
+                <a:cs typeface="Arial" panose="020B0604020202020204" pitchFamily="34" charset="0"/>
+              </a:rPr>
+              <a:t>int</a:t>
+            </a:r>
+            <a:r>
+              <a:rPr lang="en-US" b="1" dirty="0" smtClean="0">
+                <a:latin typeface="Arial" panose="020B0604020202020204" pitchFamily="34" charset="0"/>
+                <a:cs typeface="Arial" panose="020B0604020202020204" pitchFamily="34" charset="0"/>
+              </a:rPr>
+              <a:t> </a:t>
+            </a:r>
+            <a:r>
+              <a:rPr lang="en-US" b="1" dirty="0" err="1" smtClean="0">
+                <a:latin typeface="Arial" panose="020B0604020202020204" pitchFamily="34" charset="0"/>
+                <a:cs typeface="Arial" panose="020B0604020202020204" pitchFamily="34" charset="0"/>
+              </a:rPr>
+              <a:t>i</a:t>
+            </a:r>
+            <a:r>
+              <a:rPr lang="en-US" b="1" dirty="0" smtClean="0">
+                <a:latin typeface="Arial" panose="020B0604020202020204" pitchFamily="34" charset="0"/>
+                <a:cs typeface="Arial" panose="020B0604020202020204" pitchFamily="34" charset="0"/>
+              </a:rPr>
+              <a:t>=0; </a:t>
+            </a:r>
+            <a:r>
+              <a:rPr lang="en-US" b="1" dirty="0" err="1" smtClean="0">
+                <a:latin typeface="Arial" panose="020B0604020202020204" pitchFamily="34" charset="0"/>
+                <a:cs typeface="Arial" panose="020B0604020202020204" pitchFamily="34" charset="0"/>
+              </a:rPr>
+              <a:t>i</a:t>
+            </a:r>
+            <a:r>
+              <a:rPr lang="en-US" b="1" dirty="0" smtClean="0">
+                <a:latin typeface="Arial" panose="020B0604020202020204" pitchFamily="34" charset="0"/>
+                <a:cs typeface="Arial" panose="020B0604020202020204" pitchFamily="34" charset="0"/>
+              </a:rPr>
+              <a:t>&lt;</a:t>
+            </a:r>
+            <a:r>
+              <a:rPr lang="en-US" b="1" dirty="0" err="1" smtClean="0">
+                <a:latin typeface="Arial" panose="020B0604020202020204" pitchFamily="34" charset="0"/>
+                <a:cs typeface="Arial" panose="020B0604020202020204" pitchFamily="34" charset="0"/>
+              </a:rPr>
+              <a:t>arr.length</a:t>
+            </a:r>
+            <a:r>
+              <a:rPr lang="en-US" b="1" dirty="0" smtClean="0">
+                <a:latin typeface="Arial" panose="020B0604020202020204" pitchFamily="34" charset="0"/>
+                <a:cs typeface="Arial" panose="020B0604020202020204" pitchFamily="34" charset="0"/>
+              </a:rPr>
+              <a:t>(); ++</a:t>
+            </a:r>
+            <a:r>
+              <a:rPr lang="en-US" b="1" dirty="0" err="1" smtClean="0">
+                <a:latin typeface="Arial" panose="020B0604020202020204" pitchFamily="34" charset="0"/>
+                <a:cs typeface="Arial" panose="020B0604020202020204" pitchFamily="34" charset="0"/>
+              </a:rPr>
+              <a:t>i</a:t>
+            </a:r>
+            <a:r>
+              <a:rPr lang="en-US" b="1" dirty="0" smtClean="0">
+                <a:latin typeface="Arial" panose="020B0604020202020204" pitchFamily="34" charset="0"/>
+                <a:cs typeface="Arial" panose="020B0604020202020204" pitchFamily="34" charset="0"/>
+              </a:rPr>
+              <a:t>){</a:t>
+            </a:r>
+          </a:p>
+          <a:p>
+            <a:pPr marL="0" indent="0">
+              <a:buFont typeface="Arial" panose="020B0604020202020204" pitchFamily="34" charset="0"/>
+              <a:buNone/>
+            </a:pPr>
+            <a:r>
+              <a:rPr lang="en-US" b="1" dirty="0" smtClean="0">
+                <a:latin typeface="Arial" panose="020B0604020202020204" pitchFamily="34" charset="0"/>
+                <a:cs typeface="Arial" panose="020B0604020202020204" pitchFamily="34" charset="0"/>
+              </a:rPr>
+              <a:t>                  if(</a:t>
+            </a:r>
+            <a:r>
+              <a:rPr lang="en-US" b="1" dirty="0" err="1" smtClean="0">
+                <a:latin typeface="Arial" panose="020B0604020202020204" pitchFamily="34" charset="0"/>
+                <a:cs typeface="Arial" panose="020B0604020202020204" pitchFamily="34" charset="0"/>
+              </a:rPr>
+              <a:t>arr</a:t>
+            </a:r>
+            <a:r>
+              <a:rPr lang="en-US" b="1" dirty="0" smtClean="0">
+                <a:latin typeface="Arial" panose="020B0604020202020204" pitchFamily="34" charset="0"/>
+                <a:cs typeface="Arial" panose="020B0604020202020204" pitchFamily="34" charset="0"/>
+              </a:rPr>
+              <a:t>[</a:t>
+            </a:r>
+            <a:r>
+              <a:rPr lang="en-US" b="1" dirty="0" err="1" smtClean="0">
+                <a:latin typeface="Arial" panose="020B0604020202020204" pitchFamily="34" charset="0"/>
+                <a:cs typeface="Arial" panose="020B0604020202020204" pitchFamily="34" charset="0"/>
+              </a:rPr>
+              <a:t>i</a:t>
+            </a:r>
+            <a:r>
+              <a:rPr lang="en-US" b="1" dirty="0" smtClean="0">
+                <a:latin typeface="Arial" panose="020B0604020202020204" pitchFamily="34" charset="0"/>
+                <a:cs typeface="Arial" panose="020B0604020202020204" pitchFamily="34" charset="0"/>
+              </a:rPr>
+              <a:t>]&gt;</a:t>
+            </a:r>
+            <a:r>
+              <a:rPr lang="en-US" b="1" dirty="0" err="1" smtClean="0">
+                <a:latin typeface="Arial" panose="020B0604020202020204" pitchFamily="34" charset="0"/>
+                <a:cs typeface="Arial" panose="020B0604020202020204" pitchFamily="34" charset="0"/>
+              </a:rPr>
+              <a:t>curLargest</a:t>
+            </a:r>
+            <a:r>
+              <a:rPr lang="en-US" b="1" dirty="0" smtClean="0">
+                <a:latin typeface="Arial" panose="020B0604020202020204" pitchFamily="34" charset="0"/>
+                <a:cs typeface="Arial" panose="020B0604020202020204" pitchFamily="34" charset="0"/>
+              </a:rPr>
+              <a:t>)</a:t>
+            </a:r>
+          </a:p>
+          <a:p>
+            <a:pPr marL="0" indent="0">
+              <a:buFont typeface="Arial" panose="020B0604020202020204" pitchFamily="34" charset="0"/>
+              <a:buNone/>
+            </a:pPr>
+            <a:r>
+              <a:rPr lang="en-US" b="1" dirty="0" smtClean="0">
+                <a:latin typeface="Arial" panose="020B0604020202020204" pitchFamily="34" charset="0"/>
+                <a:cs typeface="Arial" panose="020B0604020202020204" pitchFamily="34" charset="0"/>
+              </a:rPr>
+              <a:t>                                </a:t>
+            </a:r>
+            <a:r>
+              <a:rPr lang="en-US" b="1" dirty="0" err="1" smtClean="0">
+                <a:latin typeface="Arial" panose="020B0604020202020204" pitchFamily="34" charset="0"/>
+                <a:cs typeface="Arial" panose="020B0604020202020204" pitchFamily="34" charset="0"/>
+              </a:rPr>
+              <a:t>curLargest</a:t>
+            </a:r>
+            <a:r>
+              <a:rPr lang="en-US" b="1" dirty="0" smtClean="0">
+                <a:latin typeface="Arial" panose="020B0604020202020204" pitchFamily="34" charset="0"/>
+                <a:cs typeface="Arial" panose="020B0604020202020204" pitchFamily="34" charset="0"/>
+              </a:rPr>
+              <a:t>=</a:t>
+            </a:r>
+            <a:r>
+              <a:rPr lang="en-US" b="1" dirty="0" err="1" smtClean="0">
+                <a:latin typeface="Arial" panose="020B0604020202020204" pitchFamily="34" charset="0"/>
+                <a:cs typeface="Arial" panose="020B0604020202020204" pitchFamily="34" charset="0"/>
+              </a:rPr>
+              <a:t>arr</a:t>
+            </a:r>
+            <a:r>
+              <a:rPr lang="en-US" b="1" dirty="0" smtClean="0">
+                <a:latin typeface="Arial" panose="020B0604020202020204" pitchFamily="34" charset="0"/>
+                <a:cs typeface="Arial" panose="020B0604020202020204" pitchFamily="34" charset="0"/>
+              </a:rPr>
+              <a:t>[</a:t>
+            </a:r>
+            <a:r>
+              <a:rPr lang="en-US" b="1" dirty="0" err="1" smtClean="0">
+                <a:latin typeface="Arial" panose="020B0604020202020204" pitchFamily="34" charset="0"/>
+                <a:cs typeface="Arial" panose="020B0604020202020204" pitchFamily="34" charset="0"/>
+              </a:rPr>
+              <a:t>i</a:t>
+            </a:r>
+            <a:r>
+              <a:rPr lang="en-US" b="1" dirty="0" smtClean="0">
+                <a:latin typeface="Arial" panose="020B0604020202020204" pitchFamily="34" charset="0"/>
+                <a:cs typeface="Arial" panose="020B0604020202020204" pitchFamily="34" charset="0"/>
+              </a:rPr>
+              <a:t>];</a:t>
+            </a:r>
+          </a:p>
+          <a:p>
+            <a:pPr marL="0" indent="0">
+              <a:buFont typeface="Arial" panose="020B0604020202020204" pitchFamily="34" charset="0"/>
+              <a:buNone/>
+            </a:pPr>
+            <a:r>
+              <a:rPr lang="en-US" b="1" dirty="0" smtClean="0">
+                <a:latin typeface="Arial" panose="020B0604020202020204" pitchFamily="34" charset="0"/>
+                <a:cs typeface="Arial" panose="020B0604020202020204" pitchFamily="34" charset="0"/>
+              </a:rPr>
+              <a:t>          }</a:t>
+            </a:r>
+          </a:p>
+          <a:p>
+            <a:pPr marL="0" indent="0">
+              <a:buFont typeface="Arial" panose="020B0604020202020204" pitchFamily="34" charset="0"/>
+              <a:buNone/>
+            </a:pPr>
+            <a:r>
+              <a:rPr lang="en-US" b="1" dirty="0" smtClean="0">
+                <a:latin typeface="Arial" panose="020B0604020202020204" pitchFamily="34" charset="0"/>
+                <a:cs typeface="Arial" panose="020B0604020202020204" pitchFamily="34" charset="0"/>
+              </a:rPr>
+              <a:t>  return </a:t>
+            </a:r>
+            <a:r>
+              <a:rPr lang="en-US" b="1" dirty="0" err="1" smtClean="0">
+                <a:latin typeface="Arial" panose="020B0604020202020204" pitchFamily="34" charset="0"/>
+                <a:cs typeface="Arial" panose="020B0604020202020204" pitchFamily="34" charset="0"/>
+              </a:rPr>
+              <a:t>curLargest</a:t>
+            </a:r>
+            <a:r>
+              <a:rPr lang="en-US" b="1" dirty="0" smtClean="0">
+                <a:latin typeface="Arial" panose="020B0604020202020204" pitchFamily="34" charset="0"/>
+                <a:cs typeface="Arial" panose="020B0604020202020204" pitchFamily="34" charset="0"/>
+              </a:rPr>
+              <a:t>;</a:t>
+            </a:r>
+          </a:p>
+          <a:p>
+            <a:pPr marL="0" indent="0">
+              <a:buFont typeface="Arial" panose="020B0604020202020204" pitchFamily="34" charset="0"/>
+              <a:buNone/>
+            </a:pPr>
+            <a:r>
+              <a:rPr lang="en-US" b="1" dirty="0" smtClean="0">
+                <a:latin typeface="Arial" panose="020B0604020202020204" pitchFamily="34" charset="0"/>
+                <a:cs typeface="Arial" panose="020B0604020202020204" pitchFamily="34" charset="0"/>
+              </a:rPr>
+              <a:t>}</a:t>
+            </a:r>
+          </a:p>
+          <a:p>
+            <a:pPr marL="0" indent="0">
+              <a:buFont typeface="Arial" panose="020B0604020202020204" pitchFamily="34" charset="0"/>
+              <a:buNone/>
+            </a:pPr>
+            <a:endParaRPr lang="en-US" b="1" dirty="0" smtClean="0">
+              <a:latin typeface="Arial" panose="020B0604020202020204" pitchFamily="34" charset="0"/>
+              <a:cs typeface="Arial" panose="020B0604020202020204" pitchFamily="34" charset="0"/>
+            </a:endParaRPr>
+          </a:p>
+          <a:p>
+            <a:endParaRPr lang="en-US" b="1" dirty="0" smtClean="0">
+              <a:latin typeface="Arial" panose="020B0604020202020204" pitchFamily="34" charset="0"/>
+              <a:cs typeface="Arial" panose="020B0604020202020204" pitchFamily="34" charset="0"/>
+            </a:endParaRPr>
+          </a:p>
+          <a:p>
+            <a:endParaRPr lang="en-US" b="1" dirty="0">
+              <a:latin typeface="Arial" panose="020B0604020202020204" pitchFamily="34" charset="0"/>
+              <a:cs typeface="Arial" panose="020B0604020202020204" pitchFamily="34" charset="0"/>
+            </a:endParaRPr>
+          </a:p>
+          <a:p>
+            <a:endParaRPr lang="en-US" b="1" dirty="0" smtClean="0">
+              <a:latin typeface="Arial" panose="020B0604020202020204" pitchFamily="34" charset="0"/>
+              <a:cs typeface="Arial" panose="020B0604020202020204" pitchFamily="34" charset="0"/>
+            </a:endParaRPr>
+          </a:p>
+          <a:p>
+            <a:endParaRPr lang="en-US" b="1" dirty="0">
+              <a:latin typeface="Arial" panose="020B0604020202020204" pitchFamily="34" charset="0"/>
+              <a:cs typeface="Arial" panose="020B0604020202020204" pitchFamily="34" charset="0"/>
+            </a:endParaRPr>
+          </a:p>
+          <a:p>
+            <a:endParaRPr lang="en-US" b="1" dirty="0" smtClean="0">
+              <a:latin typeface="Arial" panose="020B0604020202020204" pitchFamily="34" charset="0"/>
+              <a:cs typeface="Arial" panose="020B0604020202020204" pitchFamily="34" charset="0"/>
+            </a:endParaRPr>
+          </a:p>
+        </p:txBody>
+      </p:sp>
+      <p:sp>
+        <p:nvSpPr>
+          <p:cNvPr id="5" name="Content Placeholder 2"/>
+          <p:cNvSpPr txBox="1">
+            <a:spLocks/>
+          </p:cNvSpPr>
+          <p:nvPr/>
+        </p:nvSpPr>
+        <p:spPr>
+          <a:xfrm>
+            <a:off x="2362200" y="4191000"/>
+            <a:ext cx="3868057" cy="2667000"/>
+          </a:xfrm>
+          <a:prstGeom prst="rect">
+            <a:avLst/>
+          </a:prstGeom>
+        </p:spPr>
+        <p:txBody>
+          <a:bodyPr vert="horz" lIns="91440" tIns="45720" rIns="91440" bIns="45720" rtlCol="0">
+            <a:normAutofit fontScale="55000" lnSpcReduction="20000"/>
+          </a:bodyPr>
+          <a:lstStyle>
+            <a:lvl1pPr marL="342900" indent="-342900" algn="l" defTabSz="914400" rtl="0" eaLnBrk="1" latinLnBrk="0" hangingPunct="1">
+              <a:spcBef>
+                <a:spcPct val="20000"/>
+              </a:spcBef>
+              <a:buFont typeface="Arial" panose="020B0604020202020204" pitchFamily="34" charset="0"/>
+              <a:buChar char="•"/>
+              <a:defRPr sz="3200" kern="1200">
+                <a:solidFill>
+                  <a:schemeClr val="tx1"/>
+                </a:solidFill>
+                <a:latin typeface="+mn-lt"/>
+                <a:ea typeface="+mn-ea"/>
+                <a:cs typeface="+mn-cs"/>
+              </a:defRPr>
+            </a:lvl1pPr>
+            <a:lvl2pPr marL="742950" indent="-285750" algn="l" defTabSz="914400" rtl="0" eaLnBrk="1" latinLnBrk="0" hangingPunct="1">
+              <a:spcBef>
+                <a:spcPct val="20000"/>
+              </a:spcBef>
+              <a:buFont typeface="Arial" panose="020B0604020202020204" pitchFamily="34" charset="0"/>
+              <a:buChar char="–"/>
+              <a:defRPr sz="2800" kern="1200">
+                <a:solidFill>
+                  <a:schemeClr val="tx1"/>
+                </a:solidFill>
+                <a:latin typeface="+mn-lt"/>
+                <a:ea typeface="+mn-ea"/>
+                <a:cs typeface="+mn-cs"/>
+              </a:defRPr>
+            </a:lvl2pPr>
+            <a:lvl3pPr marL="1143000" indent="-228600" algn="l" defTabSz="914400" rtl="0" eaLnBrk="1" latinLnBrk="0" hangingPunct="1">
+              <a:spcBef>
+                <a:spcPct val="20000"/>
+              </a:spcBef>
+              <a:buFont typeface="Arial" panose="020B0604020202020204" pitchFamily="34" charset="0"/>
+              <a:buChar char="•"/>
+              <a:defRPr sz="2400" kern="1200">
+                <a:solidFill>
+                  <a:schemeClr val="tx1"/>
+                </a:solidFill>
+                <a:latin typeface="+mn-lt"/>
+                <a:ea typeface="+mn-ea"/>
+                <a:cs typeface="+mn-cs"/>
+              </a:defRPr>
+            </a:lvl3pPr>
+            <a:lvl4pPr marL="1600200" indent="-228600" algn="l" defTabSz="914400" rtl="0" eaLnBrk="1" latinLnBrk="0" hangingPunct="1">
+              <a:spcBef>
+                <a:spcPct val="20000"/>
+              </a:spcBef>
+              <a:buFont typeface="Arial" panose="020B0604020202020204" pitchFamily="34" charset="0"/>
+              <a:buChar char="–"/>
+              <a:defRPr sz="2000" kern="1200">
+                <a:solidFill>
+                  <a:schemeClr val="tx1"/>
+                </a:solidFill>
+                <a:latin typeface="+mn-lt"/>
+                <a:ea typeface="+mn-ea"/>
+                <a:cs typeface="+mn-cs"/>
+              </a:defRPr>
+            </a:lvl4pPr>
+            <a:lvl5pPr marL="2057400" indent="-228600" algn="l" defTabSz="914400" rtl="0" eaLnBrk="1" latinLnBrk="0" hangingPunct="1">
+              <a:spcBef>
+                <a:spcPct val="20000"/>
+              </a:spcBef>
+              <a:buFont typeface="Arial" panose="020B0604020202020204" pitchFamily="34" charset="0"/>
+              <a:buChar char="»"/>
+              <a:defRPr sz="2000" kern="1200">
+                <a:solidFill>
+                  <a:schemeClr val="tx1"/>
+                </a:solidFill>
+                <a:latin typeface="+mn-lt"/>
+                <a:ea typeface="+mn-ea"/>
+                <a:cs typeface="+mn-cs"/>
+              </a:defRPr>
+            </a:lvl5pPr>
+            <a:lvl6pPr marL="2514600" indent="-228600" algn="l" defTabSz="914400" rtl="0" eaLnBrk="1" latinLnBrk="0" hangingPunct="1">
+              <a:spcBef>
+                <a:spcPct val="20000"/>
+              </a:spcBef>
+              <a:buFont typeface="Arial" panose="020B0604020202020204" pitchFamily="34" charset="0"/>
+              <a:buChar char="•"/>
+              <a:defRPr sz="2000" kern="1200">
+                <a:solidFill>
+                  <a:schemeClr val="tx1"/>
+                </a:solidFill>
+                <a:latin typeface="+mn-lt"/>
+                <a:ea typeface="+mn-ea"/>
+                <a:cs typeface="+mn-cs"/>
+              </a:defRPr>
+            </a:lvl6pPr>
+            <a:lvl7pPr marL="2971800" indent="-228600" algn="l" defTabSz="914400" rtl="0" eaLnBrk="1" latinLnBrk="0" hangingPunct="1">
+              <a:spcBef>
+                <a:spcPct val="20000"/>
+              </a:spcBef>
+              <a:buFont typeface="Arial" panose="020B0604020202020204" pitchFamily="34" charset="0"/>
+              <a:buChar char="•"/>
+              <a:defRPr sz="2000" kern="1200">
+                <a:solidFill>
+                  <a:schemeClr val="tx1"/>
+                </a:solidFill>
+                <a:latin typeface="+mn-lt"/>
+                <a:ea typeface="+mn-ea"/>
+                <a:cs typeface="+mn-cs"/>
+              </a:defRPr>
+            </a:lvl7pPr>
+            <a:lvl8pPr marL="3429000" indent="-228600" algn="l" defTabSz="914400" rtl="0" eaLnBrk="1" latinLnBrk="0" hangingPunct="1">
+              <a:spcBef>
+                <a:spcPct val="20000"/>
+              </a:spcBef>
+              <a:buFont typeface="Arial" panose="020B0604020202020204" pitchFamily="34" charset="0"/>
+              <a:buChar char="•"/>
+              <a:defRPr sz="2000" kern="1200">
+                <a:solidFill>
+                  <a:schemeClr val="tx1"/>
+                </a:solidFill>
+                <a:latin typeface="+mn-lt"/>
+                <a:ea typeface="+mn-ea"/>
+                <a:cs typeface="+mn-cs"/>
+              </a:defRPr>
+            </a:lvl8pPr>
+            <a:lvl9pPr marL="3886200" indent="-228600" algn="l" defTabSz="914400" rtl="0" eaLnBrk="1" latinLnBrk="0" hangingPunct="1">
+              <a:spcBef>
+                <a:spcPct val="20000"/>
+              </a:spcBef>
+              <a:buFont typeface="Arial" panose="020B0604020202020204" pitchFamily="34" charset="0"/>
+              <a:buChar char="•"/>
+              <a:defRPr sz="2000" kern="1200">
+                <a:solidFill>
+                  <a:schemeClr val="tx1"/>
+                </a:solidFill>
+                <a:latin typeface="+mn-lt"/>
+                <a:ea typeface="+mn-ea"/>
+                <a:cs typeface="+mn-cs"/>
+              </a:defRPr>
+            </a:lvl9pPr>
+          </a:lstStyle>
+          <a:p>
+            <a:pPr marL="0" indent="0">
+              <a:buFont typeface="Arial" panose="020B0604020202020204" pitchFamily="34" charset="0"/>
+              <a:buNone/>
+            </a:pPr>
+            <a:r>
+              <a:rPr lang="en-US" b="1" dirty="0" smtClean="0">
+                <a:latin typeface="Arial" panose="020B0604020202020204" pitchFamily="34" charset="0"/>
+                <a:cs typeface="Arial" panose="020B0604020202020204" pitchFamily="34" charset="0"/>
+              </a:rPr>
+              <a:t>Public static </a:t>
+            </a:r>
+            <a:r>
+              <a:rPr lang="en-US" b="1" dirty="0" err="1" smtClean="0">
+                <a:latin typeface="Arial" panose="020B0604020202020204" pitchFamily="34" charset="0"/>
+                <a:cs typeface="Arial" panose="020B0604020202020204" pitchFamily="34" charset="0"/>
+              </a:rPr>
+              <a:t>int</a:t>
+            </a:r>
+            <a:r>
+              <a:rPr lang="en-US" b="1" dirty="0" smtClean="0">
+                <a:latin typeface="Arial" panose="020B0604020202020204" pitchFamily="34" charset="0"/>
+                <a:cs typeface="Arial" panose="020B0604020202020204" pitchFamily="34" charset="0"/>
+              </a:rPr>
+              <a:t> largest(</a:t>
+            </a:r>
+            <a:r>
+              <a:rPr lang="en-US" b="1" dirty="0" err="1" smtClean="0">
+                <a:latin typeface="Arial" panose="020B0604020202020204" pitchFamily="34" charset="0"/>
+                <a:cs typeface="Arial" panose="020B0604020202020204" pitchFamily="34" charset="0"/>
+              </a:rPr>
+              <a:t>int</a:t>
+            </a:r>
+            <a:r>
+              <a:rPr lang="en-US" b="1" dirty="0" smtClean="0">
+                <a:latin typeface="Arial" panose="020B0604020202020204" pitchFamily="34" charset="0"/>
+                <a:cs typeface="Arial" panose="020B0604020202020204" pitchFamily="34" charset="0"/>
+              </a:rPr>
+              <a:t> </a:t>
+            </a:r>
+            <a:r>
+              <a:rPr lang="en-US" b="1" dirty="0" err="1" smtClean="0">
+                <a:latin typeface="Arial" panose="020B0604020202020204" pitchFamily="34" charset="0"/>
+                <a:cs typeface="Arial" panose="020B0604020202020204" pitchFamily="34" charset="0"/>
+              </a:rPr>
+              <a:t>arr</a:t>
+            </a:r>
+            <a:r>
+              <a:rPr lang="en-US" b="1" dirty="0" smtClean="0">
+                <a:latin typeface="Arial" panose="020B0604020202020204" pitchFamily="34" charset="0"/>
+                <a:cs typeface="Arial" panose="020B0604020202020204" pitchFamily="34" charset="0"/>
+              </a:rPr>
+              <a:t>[]){</a:t>
+            </a:r>
+          </a:p>
+          <a:p>
+            <a:pPr marL="0" indent="0">
+              <a:buFont typeface="Arial" panose="020B0604020202020204" pitchFamily="34" charset="0"/>
+              <a:buNone/>
+            </a:pPr>
+            <a:r>
+              <a:rPr lang="en-US" b="1" dirty="0" smtClean="0">
+                <a:latin typeface="Arial" panose="020B0604020202020204" pitchFamily="34" charset="0"/>
+                <a:cs typeface="Arial" panose="020B0604020202020204" pitchFamily="34" charset="0"/>
+              </a:rPr>
+              <a:t>      assert(</a:t>
+            </a:r>
+            <a:r>
+              <a:rPr lang="en-US" b="1" dirty="0" err="1" smtClean="0">
+                <a:latin typeface="Arial" panose="020B0604020202020204" pitchFamily="34" charset="0"/>
+                <a:cs typeface="Arial" panose="020B0604020202020204" pitchFamily="34" charset="0"/>
+              </a:rPr>
+              <a:t>arr.length</a:t>
+            </a:r>
+            <a:r>
+              <a:rPr lang="en-US" b="1" dirty="0" smtClean="0">
+                <a:latin typeface="Arial" panose="020B0604020202020204" pitchFamily="34" charset="0"/>
+                <a:cs typeface="Arial" panose="020B0604020202020204" pitchFamily="34" charset="0"/>
+              </a:rPr>
+              <a:t>&gt;0);</a:t>
+            </a:r>
+          </a:p>
+          <a:p>
+            <a:pPr marL="0" indent="0">
+              <a:buFont typeface="Arial" panose="020B0604020202020204" pitchFamily="34" charset="0"/>
+              <a:buNone/>
+            </a:pPr>
+            <a:r>
+              <a:rPr lang="en-US" b="1" dirty="0" smtClean="0">
+                <a:latin typeface="Arial" panose="020B0604020202020204" pitchFamily="34" charset="0"/>
+                <a:cs typeface="Arial" panose="020B0604020202020204" pitchFamily="34" charset="0"/>
+              </a:rPr>
+              <a:t>      </a:t>
+            </a:r>
+            <a:r>
+              <a:rPr lang="en-US" b="1" dirty="0" err="1" smtClean="0">
+                <a:latin typeface="Arial" panose="020B0604020202020204" pitchFamily="34" charset="0"/>
+                <a:cs typeface="Arial" panose="020B0604020202020204" pitchFamily="34" charset="0"/>
+              </a:rPr>
+              <a:t>int</a:t>
+            </a:r>
+            <a:r>
+              <a:rPr lang="en-US" b="1" dirty="0" smtClean="0">
+                <a:latin typeface="Arial" panose="020B0604020202020204" pitchFamily="34" charset="0"/>
+                <a:cs typeface="Arial" panose="020B0604020202020204" pitchFamily="34" charset="0"/>
+              </a:rPr>
+              <a:t> </a:t>
+            </a:r>
+            <a:r>
+              <a:rPr lang="en-US" b="1" dirty="0" err="1" smtClean="0">
+                <a:latin typeface="Arial" panose="020B0604020202020204" pitchFamily="34" charset="0"/>
+                <a:cs typeface="Arial" panose="020B0604020202020204" pitchFamily="34" charset="0"/>
+              </a:rPr>
+              <a:t>curLargest</a:t>
+            </a:r>
+            <a:r>
+              <a:rPr lang="en-US" b="1" dirty="0" smtClean="0">
+                <a:latin typeface="Arial" panose="020B0604020202020204" pitchFamily="34" charset="0"/>
+                <a:cs typeface="Arial" panose="020B0604020202020204" pitchFamily="34" charset="0"/>
+              </a:rPr>
+              <a:t> = </a:t>
+            </a:r>
+            <a:r>
+              <a:rPr lang="en-US" b="1" dirty="0" err="1" smtClean="0">
+                <a:latin typeface="Arial" panose="020B0604020202020204" pitchFamily="34" charset="0"/>
+                <a:cs typeface="Arial" panose="020B0604020202020204" pitchFamily="34" charset="0"/>
+              </a:rPr>
+              <a:t>arr</a:t>
+            </a:r>
+            <a:r>
+              <a:rPr lang="en-US" b="1" dirty="0" smtClean="0">
+                <a:latin typeface="Arial" panose="020B0604020202020204" pitchFamily="34" charset="0"/>
+                <a:cs typeface="Arial" panose="020B0604020202020204" pitchFamily="34" charset="0"/>
+              </a:rPr>
+              <a:t>[0];</a:t>
+            </a:r>
+          </a:p>
+          <a:p>
+            <a:pPr marL="0" indent="0">
+              <a:buFont typeface="Arial" panose="020B0604020202020204" pitchFamily="34" charset="0"/>
+              <a:buNone/>
+            </a:pPr>
+            <a:r>
+              <a:rPr lang="en-US" b="1" dirty="0" smtClean="0">
+                <a:latin typeface="Arial" panose="020B0604020202020204" pitchFamily="34" charset="0"/>
+                <a:cs typeface="Arial" panose="020B0604020202020204" pitchFamily="34" charset="0"/>
+              </a:rPr>
+              <a:t>      for(</a:t>
+            </a:r>
+            <a:r>
+              <a:rPr lang="en-US" b="1" dirty="0" err="1" smtClean="0">
+                <a:latin typeface="Arial" panose="020B0604020202020204" pitchFamily="34" charset="0"/>
+                <a:cs typeface="Arial" panose="020B0604020202020204" pitchFamily="34" charset="0"/>
+              </a:rPr>
+              <a:t>int</a:t>
+            </a:r>
+            <a:r>
+              <a:rPr lang="en-US" b="1" dirty="0" smtClean="0">
+                <a:latin typeface="Arial" panose="020B0604020202020204" pitchFamily="34" charset="0"/>
+                <a:cs typeface="Arial" panose="020B0604020202020204" pitchFamily="34" charset="0"/>
+              </a:rPr>
+              <a:t> </a:t>
+            </a:r>
+            <a:r>
+              <a:rPr lang="en-US" b="1" dirty="0" err="1" smtClean="0">
+                <a:latin typeface="Arial" panose="020B0604020202020204" pitchFamily="34" charset="0"/>
+                <a:cs typeface="Arial" panose="020B0604020202020204" pitchFamily="34" charset="0"/>
+              </a:rPr>
+              <a:t>i</a:t>
+            </a:r>
+            <a:r>
+              <a:rPr lang="en-US" b="1" dirty="0" smtClean="0">
+                <a:latin typeface="Arial" panose="020B0604020202020204" pitchFamily="34" charset="0"/>
+                <a:cs typeface="Arial" panose="020B0604020202020204" pitchFamily="34" charset="0"/>
+              </a:rPr>
+              <a:t>=0; </a:t>
+            </a:r>
+            <a:r>
+              <a:rPr lang="en-US" b="1" dirty="0" err="1" smtClean="0">
+                <a:latin typeface="Arial" panose="020B0604020202020204" pitchFamily="34" charset="0"/>
+                <a:cs typeface="Arial" panose="020B0604020202020204" pitchFamily="34" charset="0"/>
+              </a:rPr>
+              <a:t>i</a:t>
+            </a:r>
+            <a:r>
+              <a:rPr lang="en-US" b="1" dirty="0" smtClean="0">
+                <a:latin typeface="Arial" panose="020B0604020202020204" pitchFamily="34" charset="0"/>
+                <a:cs typeface="Arial" panose="020B0604020202020204" pitchFamily="34" charset="0"/>
+              </a:rPr>
+              <a:t>&lt;</a:t>
+            </a:r>
+            <a:r>
+              <a:rPr lang="en-US" b="1" dirty="0" err="1" smtClean="0">
+                <a:latin typeface="Arial" panose="020B0604020202020204" pitchFamily="34" charset="0"/>
+                <a:cs typeface="Arial" panose="020B0604020202020204" pitchFamily="34" charset="0"/>
+              </a:rPr>
+              <a:t>arr.length</a:t>
+            </a:r>
+            <a:r>
+              <a:rPr lang="en-US" b="1" dirty="0" smtClean="0">
+                <a:latin typeface="Arial" panose="020B0604020202020204" pitchFamily="34" charset="0"/>
+                <a:cs typeface="Arial" panose="020B0604020202020204" pitchFamily="34" charset="0"/>
+              </a:rPr>
+              <a:t>(); ++</a:t>
+            </a:r>
+            <a:r>
+              <a:rPr lang="en-US" b="1" dirty="0" err="1" smtClean="0">
+                <a:latin typeface="Arial" panose="020B0604020202020204" pitchFamily="34" charset="0"/>
+                <a:cs typeface="Arial" panose="020B0604020202020204" pitchFamily="34" charset="0"/>
+              </a:rPr>
+              <a:t>i</a:t>
+            </a:r>
+            <a:r>
+              <a:rPr lang="en-US" b="1" dirty="0" smtClean="0">
+                <a:latin typeface="Arial" panose="020B0604020202020204" pitchFamily="34" charset="0"/>
+                <a:cs typeface="Arial" panose="020B0604020202020204" pitchFamily="34" charset="0"/>
+              </a:rPr>
+              <a:t>){</a:t>
+            </a:r>
+          </a:p>
+          <a:p>
+            <a:pPr marL="0" indent="0">
+              <a:buFont typeface="Arial" panose="020B0604020202020204" pitchFamily="34" charset="0"/>
+              <a:buNone/>
+            </a:pPr>
+            <a:r>
+              <a:rPr lang="en-US" b="1" dirty="0" smtClean="0">
+                <a:latin typeface="Arial" panose="020B0604020202020204" pitchFamily="34" charset="0"/>
+                <a:cs typeface="Arial" panose="020B0604020202020204" pitchFamily="34" charset="0"/>
+              </a:rPr>
+              <a:t>          if(</a:t>
+            </a:r>
+            <a:r>
+              <a:rPr lang="en-US" b="1" dirty="0" err="1" smtClean="0">
+                <a:latin typeface="Arial" panose="020B0604020202020204" pitchFamily="34" charset="0"/>
+                <a:cs typeface="Arial" panose="020B0604020202020204" pitchFamily="34" charset="0"/>
+              </a:rPr>
+              <a:t>arr</a:t>
+            </a:r>
+            <a:r>
+              <a:rPr lang="en-US" b="1" dirty="0" smtClean="0">
+                <a:latin typeface="Arial" panose="020B0604020202020204" pitchFamily="34" charset="0"/>
+                <a:cs typeface="Arial" panose="020B0604020202020204" pitchFamily="34" charset="0"/>
+              </a:rPr>
+              <a:t>[</a:t>
+            </a:r>
+            <a:r>
+              <a:rPr lang="en-US" b="1" dirty="0" err="1" smtClean="0">
+                <a:latin typeface="Arial" panose="020B0604020202020204" pitchFamily="34" charset="0"/>
+                <a:cs typeface="Arial" panose="020B0604020202020204" pitchFamily="34" charset="0"/>
+              </a:rPr>
+              <a:t>i</a:t>
+            </a:r>
+            <a:r>
+              <a:rPr lang="en-US" b="1" dirty="0" smtClean="0">
+                <a:latin typeface="Arial" panose="020B0604020202020204" pitchFamily="34" charset="0"/>
+                <a:cs typeface="Arial" panose="020B0604020202020204" pitchFamily="34" charset="0"/>
+              </a:rPr>
+              <a:t>]&gt;</a:t>
+            </a:r>
+            <a:r>
+              <a:rPr lang="en-US" b="1" dirty="0" err="1" smtClean="0">
+                <a:latin typeface="Arial" panose="020B0604020202020204" pitchFamily="34" charset="0"/>
+                <a:cs typeface="Arial" panose="020B0604020202020204" pitchFamily="34" charset="0"/>
+              </a:rPr>
+              <a:t>curLargest</a:t>
+            </a:r>
+            <a:r>
+              <a:rPr lang="en-US" b="1" dirty="0" smtClean="0">
+                <a:latin typeface="Arial" panose="020B0604020202020204" pitchFamily="34" charset="0"/>
+                <a:cs typeface="Arial" panose="020B0604020202020204" pitchFamily="34" charset="0"/>
+              </a:rPr>
+              <a:t>)</a:t>
+            </a:r>
+          </a:p>
+          <a:p>
+            <a:pPr marL="0" indent="0">
+              <a:buFont typeface="Arial" panose="020B0604020202020204" pitchFamily="34" charset="0"/>
+              <a:buNone/>
+            </a:pPr>
+            <a:r>
+              <a:rPr lang="en-US" b="1" dirty="0" smtClean="0">
+                <a:latin typeface="Arial" panose="020B0604020202020204" pitchFamily="34" charset="0"/>
+                <a:cs typeface="Arial" panose="020B0604020202020204" pitchFamily="34" charset="0"/>
+              </a:rPr>
+              <a:t>               </a:t>
+            </a:r>
+            <a:r>
+              <a:rPr lang="en-US" b="1" dirty="0" err="1" smtClean="0">
+                <a:latin typeface="Arial" panose="020B0604020202020204" pitchFamily="34" charset="0"/>
+                <a:cs typeface="Arial" panose="020B0604020202020204" pitchFamily="34" charset="0"/>
+              </a:rPr>
+              <a:t>curLargest</a:t>
+            </a:r>
+            <a:r>
+              <a:rPr lang="en-US" b="1" dirty="0" smtClean="0">
+                <a:latin typeface="Arial" panose="020B0604020202020204" pitchFamily="34" charset="0"/>
+                <a:cs typeface="Arial" panose="020B0604020202020204" pitchFamily="34" charset="0"/>
+              </a:rPr>
+              <a:t>=</a:t>
+            </a:r>
+            <a:r>
+              <a:rPr lang="en-US" b="1" dirty="0" err="1" smtClean="0">
+                <a:latin typeface="Arial" panose="020B0604020202020204" pitchFamily="34" charset="0"/>
+                <a:cs typeface="Arial" panose="020B0604020202020204" pitchFamily="34" charset="0"/>
+              </a:rPr>
+              <a:t>arr</a:t>
+            </a:r>
+            <a:r>
+              <a:rPr lang="en-US" b="1" dirty="0" smtClean="0">
+                <a:latin typeface="Arial" panose="020B0604020202020204" pitchFamily="34" charset="0"/>
+                <a:cs typeface="Arial" panose="020B0604020202020204" pitchFamily="34" charset="0"/>
+              </a:rPr>
+              <a:t>[</a:t>
+            </a:r>
+            <a:r>
+              <a:rPr lang="en-US" b="1" dirty="0" err="1" smtClean="0">
+                <a:latin typeface="Arial" panose="020B0604020202020204" pitchFamily="34" charset="0"/>
+                <a:cs typeface="Arial" panose="020B0604020202020204" pitchFamily="34" charset="0"/>
+              </a:rPr>
+              <a:t>i</a:t>
+            </a:r>
+            <a:r>
+              <a:rPr lang="en-US" b="1" dirty="0" smtClean="0">
+                <a:latin typeface="Arial" panose="020B0604020202020204" pitchFamily="34" charset="0"/>
+                <a:cs typeface="Arial" panose="020B0604020202020204" pitchFamily="34" charset="0"/>
+              </a:rPr>
+              <a:t>];</a:t>
+            </a:r>
+          </a:p>
+          <a:p>
+            <a:pPr marL="0" indent="0">
+              <a:buFont typeface="Arial" panose="020B0604020202020204" pitchFamily="34" charset="0"/>
+              <a:buNone/>
+            </a:pPr>
+            <a:r>
+              <a:rPr lang="en-US" b="1" dirty="0" smtClean="0">
+                <a:latin typeface="Arial" panose="020B0604020202020204" pitchFamily="34" charset="0"/>
+                <a:cs typeface="Arial" panose="020B0604020202020204" pitchFamily="34" charset="0"/>
+              </a:rPr>
+              <a:t>      }</a:t>
+            </a:r>
+          </a:p>
+          <a:p>
+            <a:pPr marL="0" indent="0">
+              <a:buFont typeface="Arial" panose="020B0604020202020204" pitchFamily="34" charset="0"/>
+              <a:buNone/>
+            </a:pPr>
+            <a:r>
+              <a:rPr lang="en-US" b="1" dirty="0" smtClean="0">
+                <a:latin typeface="Arial" panose="020B0604020202020204" pitchFamily="34" charset="0"/>
+                <a:cs typeface="Arial" panose="020B0604020202020204" pitchFamily="34" charset="0"/>
+              </a:rPr>
+              <a:t>      return </a:t>
+            </a:r>
+            <a:r>
+              <a:rPr lang="en-US" b="1" dirty="0" err="1" smtClean="0">
+                <a:latin typeface="Arial" panose="020B0604020202020204" pitchFamily="34" charset="0"/>
+                <a:cs typeface="Arial" panose="020B0604020202020204" pitchFamily="34" charset="0"/>
+              </a:rPr>
+              <a:t>curLargest</a:t>
+            </a:r>
+            <a:r>
+              <a:rPr lang="en-US" b="1" dirty="0" smtClean="0">
+                <a:latin typeface="Arial" panose="020B0604020202020204" pitchFamily="34" charset="0"/>
+                <a:cs typeface="Arial" panose="020B0604020202020204" pitchFamily="34" charset="0"/>
+              </a:rPr>
+              <a:t>;</a:t>
+            </a:r>
+          </a:p>
+          <a:p>
+            <a:pPr marL="0" indent="0">
+              <a:buFont typeface="Arial" panose="020B0604020202020204" pitchFamily="34" charset="0"/>
+              <a:buNone/>
+            </a:pPr>
+            <a:r>
+              <a:rPr lang="en-US" b="1" dirty="0" smtClean="0">
+                <a:latin typeface="Arial" panose="020B0604020202020204" pitchFamily="34" charset="0"/>
+                <a:cs typeface="Arial" panose="020B0604020202020204" pitchFamily="34" charset="0"/>
+              </a:rPr>
+              <a:t>}</a:t>
+            </a:r>
+          </a:p>
+          <a:p>
+            <a:pPr marL="0" indent="0">
+              <a:buFont typeface="Arial" panose="020B0604020202020204" pitchFamily="34" charset="0"/>
+              <a:buNone/>
+            </a:pPr>
+            <a:endParaRPr lang="en-US" b="1" dirty="0">
+              <a:latin typeface="Arial" panose="020B0604020202020204" pitchFamily="34" charset="0"/>
+              <a:cs typeface="Arial" panose="020B0604020202020204" pitchFamily="34" charset="0"/>
+            </a:endParaRPr>
+          </a:p>
+          <a:p>
+            <a:pPr marL="0" indent="0">
+              <a:buFont typeface="Arial" panose="020B0604020202020204" pitchFamily="34" charset="0"/>
+              <a:buNone/>
+            </a:pPr>
+            <a:endParaRPr lang="en-US" b="1" dirty="0" smtClean="0">
+              <a:latin typeface="Arial" panose="020B0604020202020204" pitchFamily="34" charset="0"/>
+              <a:cs typeface="Arial" panose="020B0604020202020204" pitchFamily="34" charset="0"/>
+            </a:endParaRPr>
+          </a:p>
+          <a:p>
+            <a:pPr marL="0" indent="0">
+              <a:buFont typeface="Arial" panose="020B0604020202020204" pitchFamily="34" charset="0"/>
+              <a:buNone/>
+            </a:pPr>
+            <a:endParaRPr lang="en-US" b="1" dirty="0">
+              <a:latin typeface="Arial" panose="020B0604020202020204" pitchFamily="34" charset="0"/>
+              <a:cs typeface="Arial" panose="020B0604020202020204" pitchFamily="34" charset="0"/>
+            </a:endParaRPr>
+          </a:p>
+          <a:p>
+            <a:pPr marL="0" indent="0">
+              <a:buFont typeface="Arial" panose="020B0604020202020204" pitchFamily="34" charset="0"/>
+              <a:buNone/>
+            </a:pPr>
+            <a:endParaRPr lang="en-US" b="1" dirty="0" smtClean="0">
+              <a:latin typeface="Arial" panose="020B0604020202020204" pitchFamily="34" charset="0"/>
+              <a:cs typeface="Arial" panose="020B0604020202020204" pitchFamily="34" charset="0"/>
+            </a:endParaRPr>
+          </a:p>
+          <a:p>
+            <a:pPr marL="0" indent="0">
+              <a:buFont typeface="Arial" panose="020B0604020202020204" pitchFamily="34" charset="0"/>
+              <a:buNone/>
+            </a:pPr>
+            <a:endParaRPr lang="en-US" b="1" dirty="0" smtClean="0">
+              <a:latin typeface="Arial" panose="020B0604020202020204" pitchFamily="34" charset="0"/>
+              <a:cs typeface="Arial" panose="020B0604020202020204" pitchFamily="34" charset="0"/>
+            </a:endParaRPr>
+          </a:p>
+          <a:p>
+            <a:pPr marL="0" indent="0">
+              <a:buFont typeface="Arial" panose="020B0604020202020204" pitchFamily="34" charset="0"/>
+              <a:buNone/>
+            </a:pPr>
+            <a:endParaRPr lang="en-US" b="1" dirty="0">
+              <a:latin typeface="Arial" panose="020B0604020202020204" pitchFamily="34" charset="0"/>
+              <a:cs typeface="Arial" panose="020B0604020202020204" pitchFamily="34" charset="0"/>
+            </a:endParaRPr>
+          </a:p>
+          <a:p>
+            <a:pPr marL="0" indent="0">
+              <a:buFont typeface="Arial" panose="020B0604020202020204" pitchFamily="34" charset="0"/>
+              <a:buNone/>
+            </a:pPr>
+            <a:endParaRPr lang="en-US" b="1" dirty="0" smtClean="0">
+              <a:latin typeface="Arial" panose="020B0604020202020204" pitchFamily="34" charset="0"/>
+              <a:cs typeface="Arial" panose="020B0604020202020204" pitchFamily="34" charset="0"/>
+            </a:endParaRPr>
+          </a:p>
+          <a:p>
+            <a:pPr marL="0" indent="0">
+              <a:buFont typeface="Arial" panose="020B0604020202020204" pitchFamily="34" charset="0"/>
+              <a:buNone/>
+            </a:pPr>
+            <a:endParaRPr lang="en-US" b="1" dirty="0">
+              <a:latin typeface="Arial" panose="020B0604020202020204" pitchFamily="34" charset="0"/>
+              <a:cs typeface="Arial" panose="020B0604020202020204" pitchFamily="34" charset="0"/>
+            </a:endParaRPr>
           </a:p>
         </p:txBody>
       </p:sp>
     </p:spTree>
     <p:extLst>
       <p:ext uri="{BB962C8B-B14F-4D97-AF65-F5344CB8AC3E}">
-        <p14:creationId xmlns:p14="http://schemas.microsoft.com/office/powerpoint/2010/main" val="1181512862"/>
+        <p14:creationId xmlns:p14="http://schemas.microsoft.com/office/powerpoint/2010/main" val="274046834"/>
       </p:ext>
     </p:extLst>
   </p:cSld>
   <p:clrMapOvr>
     <a:masterClrMapping/>
   </p:clrMapOvr>
+  <p:timing>
+    <p:tnLst>
+      <p:par>
+        <p:cTn id="1" dur="indefinite" restart="never" nodeType="tmRoot"/>
+      </p:par>
+    </p:tnLst>
+  </p:timing>
 </p:sld>
 </file>
 
@@ -3484,7 +5083,7 @@
           <a:p>
             <a:r>
               <a:rPr lang="en-US" dirty="0" smtClean="0"/>
-              <a:t>Why use an API</a:t>
+              <a:t>JAVADOC</a:t>
             </a:r>
             <a:endParaRPr lang="en-US" dirty="0"/>
           </a:p>
@@ -3498,6 +5097,429 @@
           </p:cNvSpPr>
           <p:nvPr>
             <p:ph idx="1"/>
+          </p:nvPr>
+        </p:nvSpPr>
+        <p:spPr>
+          <a:xfrm>
+            <a:off x="76200" y="5867400"/>
+            <a:ext cx="8229600" cy="4525963"/>
+          </a:xfrm>
+        </p:spPr>
+        <p:txBody>
+          <a:bodyPr>
+            <a:normAutofit/>
+          </a:bodyPr>
+          <a:lstStyle/>
+          <a:p>
+            <a:pPr marL="0" indent="0">
+              <a:buNone/>
+            </a:pPr>
+            <a:r>
+              <a:rPr lang="en-US" sz="1600" dirty="0" smtClean="0">
+                <a:hlinkClick r:id="rId2"/>
+              </a:rPr>
+              <a:t>Oracle Source</a:t>
+            </a:r>
+            <a:endParaRPr lang="en-US" sz="1600" dirty="0"/>
+          </a:p>
+        </p:txBody>
+      </p:sp>
+      <p:sp>
+        <p:nvSpPr>
+          <p:cNvPr id="4" name="TextBox 3"/>
+          <p:cNvSpPr txBox="1"/>
+          <p:nvPr/>
+        </p:nvSpPr>
+        <p:spPr>
+          <a:xfrm>
+            <a:off x="388257" y="1143000"/>
+            <a:ext cx="5327228" cy="4524315"/>
+          </a:xfrm>
+          <a:prstGeom prst="rect">
+            <a:avLst/>
+          </a:prstGeom>
+          <a:noFill/>
+        </p:spPr>
+        <p:txBody>
+          <a:bodyPr wrap="none" rtlCol="0">
+            <a:spAutoFit/>
+          </a:bodyPr>
+          <a:lstStyle/>
+          <a:p>
+            <a:r>
+              <a:rPr lang="en-US" dirty="0">
+                <a:latin typeface="Arial" panose="020B0604020202020204" pitchFamily="34" charset="0"/>
+                <a:cs typeface="Arial" panose="020B0604020202020204" pitchFamily="34" charset="0"/>
+              </a:rPr>
+              <a:t>/** * A class representing a window on the screen. </a:t>
+            </a:r>
+            <a:endParaRPr lang="en-US" dirty="0" smtClean="0">
+              <a:latin typeface="Arial" panose="020B0604020202020204" pitchFamily="34" charset="0"/>
+              <a:cs typeface="Arial" panose="020B0604020202020204" pitchFamily="34" charset="0"/>
+            </a:endParaRPr>
+          </a:p>
+          <a:p>
+            <a:r>
+              <a:rPr lang="en-US" dirty="0" smtClean="0">
+                <a:latin typeface="Arial" panose="020B0604020202020204" pitchFamily="34" charset="0"/>
+                <a:cs typeface="Arial" panose="020B0604020202020204" pitchFamily="34" charset="0"/>
+              </a:rPr>
+              <a:t>* For </a:t>
+            </a:r>
+            <a:r>
+              <a:rPr lang="en-US" dirty="0">
+                <a:latin typeface="Arial" panose="020B0604020202020204" pitchFamily="34" charset="0"/>
+                <a:cs typeface="Arial" panose="020B0604020202020204" pitchFamily="34" charset="0"/>
+              </a:rPr>
+              <a:t>example: </a:t>
+            </a:r>
+            <a:endParaRPr lang="en-US" dirty="0" smtClean="0">
+              <a:latin typeface="Arial" panose="020B0604020202020204" pitchFamily="34" charset="0"/>
+              <a:cs typeface="Arial" panose="020B0604020202020204" pitchFamily="34" charset="0"/>
+            </a:endParaRPr>
+          </a:p>
+          <a:p>
+            <a:r>
+              <a:rPr lang="en-US" dirty="0" smtClean="0">
+                <a:latin typeface="Arial" panose="020B0604020202020204" pitchFamily="34" charset="0"/>
+                <a:cs typeface="Arial" panose="020B0604020202020204" pitchFamily="34" charset="0"/>
+              </a:rPr>
+              <a:t>* </a:t>
+            </a:r>
+            <a:r>
+              <a:rPr lang="en-US" dirty="0">
+                <a:latin typeface="Arial" panose="020B0604020202020204" pitchFamily="34" charset="0"/>
+                <a:cs typeface="Arial" panose="020B0604020202020204" pitchFamily="34" charset="0"/>
+              </a:rPr>
+              <a:t>&lt;pre&gt; </a:t>
+            </a:r>
+            <a:endParaRPr lang="en-US" dirty="0" smtClean="0">
+              <a:latin typeface="Arial" panose="020B0604020202020204" pitchFamily="34" charset="0"/>
+              <a:cs typeface="Arial" panose="020B0604020202020204" pitchFamily="34" charset="0"/>
+            </a:endParaRPr>
+          </a:p>
+          <a:p>
+            <a:r>
+              <a:rPr lang="en-US" dirty="0" smtClean="0">
+                <a:latin typeface="Arial" panose="020B0604020202020204" pitchFamily="34" charset="0"/>
+                <a:cs typeface="Arial" panose="020B0604020202020204" pitchFamily="34" charset="0"/>
+              </a:rPr>
+              <a:t>*    Window </a:t>
+            </a:r>
+            <a:r>
+              <a:rPr lang="en-US" dirty="0">
+                <a:latin typeface="Arial" panose="020B0604020202020204" pitchFamily="34" charset="0"/>
+                <a:cs typeface="Arial" panose="020B0604020202020204" pitchFamily="34" charset="0"/>
+              </a:rPr>
+              <a:t>win = new Window(parent); </a:t>
+            </a:r>
+            <a:endParaRPr lang="en-US" dirty="0" smtClean="0">
+              <a:latin typeface="Arial" panose="020B0604020202020204" pitchFamily="34" charset="0"/>
+              <a:cs typeface="Arial" panose="020B0604020202020204" pitchFamily="34" charset="0"/>
+            </a:endParaRPr>
+          </a:p>
+          <a:p>
+            <a:r>
+              <a:rPr lang="en-US" dirty="0" smtClean="0">
+                <a:latin typeface="Arial" panose="020B0604020202020204" pitchFamily="34" charset="0"/>
+                <a:cs typeface="Arial" panose="020B0604020202020204" pitchFamily="34" charset="0"/>
+              </a:rPr>
+              <a:t>*     </a:t>
+            </a:r>
+            <a:r>
+              <a:rPr lang="en-US" dirty="0" err="1" smtClean="0">
+                <a:latin typeface="Arial" panose="020B0604020202020204" pitchFamily="34" charset="0"/>
+                <a:cs typeface="Arial" panose="020B0604020202020204" pitchFamily="34" charset="0"/>
+              </a:rPr>
+              <a:t>win.show</a:t>
+            </a:r>
+            <a:r>
+              <a:rPr lang="en-US" dirty="0">
+                <a:latin typeface="Arial" panose="020B0604020202020204" pitchFamily="34" charset="0"/>
+                <a:cs typeface="Arial" panose="020B0604020202020204" pitchFamily="34" charset="0"/>
+              </a:rPr>
+              <a:t>(); </a:t>
+            </a:r>
+            <a:endParaRPr lang="en-US" dirty="0" smtClean="0">
+              <a:latin typeface="Arial" panose="020B0604020202020204" pitchFamily="34" charset="0"/>
+              <a:cs typeface="Arial" panose="020B0604020202020204" pitchFamily="34" charset="0"/>
+            </a:endParaRPr>
+          </a:p>
+          <a:p>
+            <a:r>
+              <a:rPr lang="en-US" dirty="0" smtClean="0">
+                <a:latin typeface="Arial" panose="020B0604020202020204" pitchFamily="34" charset="0"/>
+                <a:cs typeface="Arial" panose="020B0604020202020204" pitchFamily="34" charset="0"/>
+              </a:rPr>
+              <a:t>* </a:t>
+            </a:r>
+            <a:r>
+              <a:rPr lang="en-US" dirty="0">
+                <a:latin typeface="Arial" panose="020B0604020202020204" pitchFamily="34" charset="0"/>
+                <a:cs typeface="Arial" panose="020B0604020202020204" pitchFamily="34" charset="0"/>
+              </a:rPr>
+              <a:t>&lt;/pre&gt; </a:t>
+            </a:r>
+            <a:endParaRPr lang="en-US" dirty="0" smtClean="0">
+              <a:latin typeface="Arial" panose="020B0604020202020204" pitchFamily="34" charset="0"/>
+              <a:cs typeface="Arial" panose="020B0604020202020204" pitchFamily="34" charset="0"/>
+            </a:endParaRPr>
+          </a:p>
+          <a:p>
+            <a:r>
+              <a:rPr lang="en-US" dirty="0" smtClean="0">
+                <a:latin typeface="Arial" panose="020B0604020202020204" pitchFamily="34" charset="0"/>
+                <a:cs typeface="Arial" panose="020B0604020202020204" pitchFamily="34" charset="0"/>
+              </a:rPr>
+              <a:t>* </a:t>
+            </a:r>
+          </a:p>
+          <a:p>
+            <a:r>
+              <a:rPr lang="en-US" dirty="0" smtClean="0">
+                <a:latin typeface="Arial" panose="020B0604020202020204" pitchFamily="34" charset="0"/>
+                <a:cs typeface="Arial" panose="020B0604020202020204" pitchFamily="34" charset="0"/>
+              </a:rPr>
+              <a:t>* </a:t>
+            </a:r>
+            <a:r>
+              <a:rPr lang="en-US" dirty="0">
+                <a:latin typeface="Arial" panose="020B0604020202020204" pitchFamily="34" charset="0"/>
+                <a:cs typeface="Arial" panose="020B0604020202020204" pitchFamily="34" charset="0"/>
+              </a:rPr>
+              <a:t>@author Sami </a:t>
+            </a:r>
+            <a:r>
+              <a:rPr lang="en-US" dirty="0" err="1">
+                <a:latin typeface="Arial" panose="020B0604020202020204" pitchFamily="34" charset="0"/>
+                <a:cs typeface="Arial" panose="020B0604020202020204" pitchFamily="34" charset="0"/>
+              </a:rPr>
+              <a:t>Shaio</a:t>
+            </a:r>
+            <a:r>
+              <a:rPr lang="en-US" dirty="0">
+                <a:latin typeface="Arial" panose="020B0604020202020204" pitchFamily="34" charset="0"/>
+                <a:cs typeface="Arial" panose="020B0604020202020204" pitchFamily="34" charset="0"/>
+              </a:rPr>
+              <a:t> </a:t>
+            </a:r>
+            <a:endParaRPr lang="en-US" dirty="0" smtClean="0">
+              <a:latin typeface="Arial" panose="020B0604020202020204" pitchFamily="34" charset="0"/>
+              <a:cs typeface="Arial" panose="020B0604020202020204" pitchFamily="34" charset="0"/>
+            </a:endParaRPr>
+          </a:p>
+          <a:p>
+            <a:r>
+              <a:rPr lang="en-US" dirty="0" smtClean="0">
+                <a:latin typeface="Arial" panose="020B0604020202020204" pitchFamily="34" charset="0"/>
+                <a:cs typeface="Arial" panose="020B0604020202020204" pitchFamily="34" charset="0"/>
+              </a:rPr>
+              <a:t>* </a:t>
+            </a:r>
+            <a:r>
+              <a:rPr lang="en-US" dirty="0">
+                <a:latin typeface="Arial" panose="020B0604020202020204" pitchFamily="34" charset="0"/>
+                <a:cs typeface="Arial" panose="020B0604020202020204" pitchFamily="34" charset="0"/>
+              </a:rPr>
+              <a:t>@version 1.13, 06/08/06 </a:t>
+            </a:r>
+            <a:endParaRPr lang="en-US" dirty="0" smtClean="0">
+              <a:latin typeface="Arial" panose="020B0604020202020204" pitchFamily="34" charset="0"/>
+              <a:cs typeface="Arial" panose="020B0604020202020204" pitchFamily="34" charset="0"/>
+            </a:endParaRPr>
+          </a:p>
+          <a:p>
+            <a:r>
+              <a:rPr lang="en-US" dirty="0" smtClean="0">
+                <a:latin typeface="Arial" panose="020B0604020202020204" pitchFamily="34" charset="0"/>
+                <a:cs typeface="Arial" panose="020B0604020202020204" pitchFamily="34" charset="0"/>
+              </a:rPr>
+              <a:t>* </a:t>
+            </a:r>
+            <a:r>
+              <a:rPr lang="en-US" dirty="0">
+                <a:latin typeface="Arial" panose="020B0604020202020204" pitchFamily="34" charset="0"/>
+                <a:cs typeface="Arial" panose="020B0604020202020204" pitchFamily="34" charset="0"/>
+              </a:rPr>
+              <a:t>@see </a:t>
+            </a:r>
+            <a:r>
+              <a:rPr lang="en-US" dirty="0" smtClean="0">
+                <a:latin typeface="Arial" panose="020B0604020202020204" pitchFamily="34" charset="0"/>
+                <a:cs typeface="Arial" panose="020B0604020202020204" pitchFamily="34" charset="0"/>
+              </a:rPr>
+              <a:t>    </a:t>
+            </a:r>
+            <a:r>
+              <a:rPr lang="en-US" dirty="0" err="1" smtClean="0">
+                <a:latin typeface="Arial" panose="020B0604020202020204" pitchFamily="34" charset="0"/>
+                <a:cs typeface="Arial" panose="020B0604020202020204" pitchFamily="34" charset="0"/>
+              </a:rPr>
+              <a:t>java.awt.BaseWindow</a:t>
+            </a:r>
+            <a:r>
+              <a:rPr lang="en-US" dirty="0" smtClean="0">
+                <a:latin typeface="Arial" panose="020B0604020202020204" pitchFamily="34" charset="0"/>
+                <a:cs typeface="Arial" panose="020B0604020202020204" pitchFamily="34" charset="0"/>
+              </a:rPr>
+              <a:t> </a:t>
+            </a:r>
+          </a:p>
+          <a:p>
+            <a:r>
+              <a:rPr lang="en-US" dirty="0" smtClean="0">
+                <a:latin typeface="Arial" panose="020B0604020202020204" pitchFamily="34" charset="0"/>
+                <a:cs typeface="Arial" panose="020B0604020202020204" pitchFamily="34" charset="0"/>
+              </a:rPr>
+              <a:t>* </a:t>
+            </a:r>
+            <a:r>
+              <a:rPr lang="en-US" dirty="0">
+                <a:latin typeface="Arial" panose="020B0604020202020204" pitchFamily="34" charset="0"/>
+                <a:cs typeface="Arial" panose="020B0604020202020204" pitchFamily="34" charset="0"/>
+              </a:rPr>
+              <a:t>@see </a:t>
+            </a:r>
+            <a:r>
+              <a:rPr lang="en-US" dirty="0" smtClean="0">
+                <a:latin typeface="Arial" panose="020B0604020202020204" pitchFamily="34" charset="0"/>
+                <a:cs typeface="Arial" panose="020B0604020202020204" pitchFamily="34" charset="0"/>
+              </a:rPr>
+              <a:t>    </a:t>
+            </a:r>
+            <a:r>
+              <a:rPr lang="en-US" dirty="0" err="1" smtClean="0">
+                <a:latin typeface="Arial" panose="020B0604020202020204" pitchFamily="34" charset="0"/>
+                <a:cs typeface="Arial" panose="020B0604020202020204" pitchFamily="34" charset="0"/>
+              </a:rPr>
+              <a:t>java.awt.Button</a:t>
+            </a:r>
+            <a:r>
+              <a:rPr lang="en-US" dirty="0" smtClean="0">
+                <a:latin typeface="Arial" panose="020B0604020202020204" pitchFamily="34" charset="0"/>
+                <a:cs typeface="Arial" panose="020B0604020202020204" pitchFamily="34" charset="0"/>
+              </a:rPr>
+              <a:t> </a:t>
+            </a:r>
+          </a:p>
+          <a:p>
+            <a:r>
+              <a:rPr lang="en-US" dirty="0" smtClean="0">
+                <a:latin typeface="Arial" panose="020B0604020202020204" pitchFamily="34" charset="0"/>
+                <a:cs typeface="Arial" panose="020B0604020202020204" pitchFamily="34" charset="0"/>
+              </a:rPr>
+              <a:t>*/ </a:t>
+            </a:r>
+          </a:p>
+          <a:p>
+            <a:endParaRPr lang="en-US" dirty="0">
+              <a:latin typeface="Arial" panose="020B0604020202020204" pitchFamily="34" charset="0"/>
+              <a:cs typeface="Arial" panose="020B0604020202020204" pitchFamily="34" charset="0"/>
+            </a:endParaRPr>
+          </a:p>
+          <a:p>
+            <a:r>
+              <a:rPr lang="en-US" dirty="0" smtClean="0">
+                <a:latin typeface="Arial" panose="020B0604020202020204" pitchFamily="34" charset="0"/>
+                <a:cs typeface="Arial" panose="020B0604020202020204" pitchFamily="34" charset="0"/>
+              </a:rPr>
+              <a:t>class </a:t>
+            </a:r>
+            <a:r>
+              <a:rPr lang="en-US" dirty="0">
+                <a:latin typeface="Arial" panose="020B0604020202020204" pitchFamily="34" charset="0"/>
+                <a:cs typeface="Arial" panose="020B0604020202020204" pitchFamily="34" charset="0"/>
+              </a:rPr>
+              <a:t>Window extends </a:t>
+            </a:r>
+            <a:r>
+              <a:rPr lang="en-US" dirty="0" err="1">
+                <a:latin typeface="Arial" panose="020B0604020202020204" pitchFamily="34" charset="0"/>
+                <a:cs typeface="Arial" panose="020B0604020202020204" pitchFamily="34" charset="0"/>
+              </a:rPr>
+              <a:t>BaseWindow</a:t>
+            </a:r>
+            <a:r>
+              <a:rPr lang="en-US" dirty="0">
+                <a:latin typeface="Arial" panose="020B0604020202020204" pitchFamily="34" charset="0"/>
+                <a:cs typeface="Arial" panose="020B0604020202020204" pitchFamily="34" charset="0"/>
+              </a:rPr>
+              <a:t> { </a:t>
+            </a:r>
+            <a:endParaRPr lang="en-US" dirty="0" smtClean="0">
+              <a:latin typeface="Arial" panose="020B0604020202020204" pitchFamily="34" charset="0"/>
+              <a:cs typeface="Arial" panose="020B0604020202020204" pitchFamily="34" charset="0"/>
+            </a:endParaRPr>
+          </a:p>
+          <a:p>
+            <a:r>
+              <a:rPr lang="en-US" dirty="0" smtClean="0">
+                <a:latin typeface="Arial" panose="020B0604020202020204" pitchFamily="34" charset="0"/>
+                <a:cs typeface="Arial" panose="020B0604020202020204" pitchFamily="34" charset="0"/>
+              </a:rPr>
+              <a:t>... </a:t>
+            </a:r>
+          </a:p>
+          <a:p>
+            <a:r>
+              <a:rPr lang="en-US" dirty="0" smtClean="0">
+                <a:latin typeface="Arial" panose="020B0604020202020204" pitchFamily="34" charset="0"/>
+                <a:cs typeface="Arial" panose="020B0604020202020204" pitchFamily="34" charset="0"/>
+              </a:rPr>
+              <a:t>}</a:t>
+            </a:r>
+            <a:endParaRPr lang="en-US" dirty="0">
+              <a:latin typeface="Arial" panose="020B0604020202020204" pitchFamily="34" charset="0"/>
+              <a:cs typeface="Arial" panose="020B0604020202020204" pitchFamily="34" charset="0"/>
+            </a:endParaRPr>
+          </a:p>
+        </p:txBody>
+      </p:sp>
+    </p:spTree>
+    <p:extLst>
+      <p:ext uri="{BB962C8B-B14F-4D97-AF65-F5344CB8AC3E}">
+        <p14:creationId xmlns:p14="http://schemas.microsoft.com/office/powerpoint/2010/main" val="2870220343"/>
+      </p:ext>
+    </p:extLst>
+  </p:cSld>
+  <p:clrMapOvr>
+    <a:masterClrMapping/>
+  </p:clrMapOvr>
+  <p:timing>
+    <p:tnLst>
+      <p:par>
+        <p:cTn id="1" dur="indefinite" restart="never" nodeType="tmRoot"/>
+      </p:par>
+    </p:tnLst>
+  </p:timing>
+</p:sld>
+</file>
+
+<file path=ppt/slides/slide6.xml><?xml version="1.0" encoding="utf-8"?>
+<p:sld xmlns:a="http://schemas.openxmlformats.org/drawingml/2006/main" xmlns:r="http://schemas.openxmlformats.org/officeDocument/2006/relationships" xmlns:p="http://schemas.openxmlformats.org/presentationml/2006/main">
+  <p:cSld>
+    <p:spTree>
+      <p:nvGrpSpPr>
+        <p:cNvPr id="1" name=""/>
+        <p:cNvGrpSpPr/>
+        <p:nvPr/>
+      </p:nvGrpSpPr>
+      <p:grpSpPr>
+        <a:xfrm>
+          <a:off x="0" y="0"/>
+          <a:ext cx="0" cy="0"/>
+          <a:chOff x="0" y="0"/>
+          <a:chExt cx="0" cy="0"/>
+        </a:xfrm>
+      </p:grpSpPr>
+      <p:sp>
+        <p:nvSpPr>
+          <p:cNvPr id="2" name="Title 1"/>
+          <p:cNvSpPr>
+            <a:spLocks noGrp="1"/>
+          </p:cNvSpPr>
+          <p:nvPr>
+            <p:ph type="title"/>
           </p:nvPr>
         </p:nvSpPr>
         <p:spPr/>
@@ -3507,17 +5529,152 @@
           <a:p>
             <a:r>
               <a:rPr lang="en-US" dirty="0" smtClean="0"/>
+              <a:t>Coding Guidelines</a:t>
+            </a:r>
+            <a:endParaRPr lang="en-US" dirty="0"/>
+          </a:p>
+        </p:txBody>
+      </p:sp>
+      <p:sp>
+        <p:nvSpPr>
+          <p:cNvPr id="3" name="Content Placeholder 2"/>
+          <p:cNvSpPr>
+            <a:spLocks noGrp="1"/>
+          </p:cNvSpPr>
+          <p:nvPr>
+            <p:ph idx="1"/>
+          </p:nvPr>
+        </p:nvSpPr>
+        <p:spPr/>
+        <p:txBody>
+          <a:bodyPr/>
+          <a:lstStyle/>
+          <a:p>
+            <a:r>
+              <a:rPr lang="en-US" dirty="0" smtClean="0"/>
+              <a:t>Naming (Naming, Variables)</a:t>
+            </a:r>
+          </a:p>
+          <a:p>
+            <a:r>
+              <a:rPr lang="en-US" dirty="0" smtClean="0"/>
+              <a:t>Consistency</a:t>
+            </a:r>
+          </a:p>
+          <a:p>
+            <a:r>
+              <a:rPr lang="en-US" dirty="0" smtClean="0"/>
+              <a:t>Case (Camel, Underscore)</a:t>
+            </a:r>
+          </a:p>
+          <a:p>
+            <a:r>
+              <a:rPr lang="en-US" dirty="0" smtClean="0"/>
+              <a:t>Indentation (DO IT!)</a:t>
+            </a:r>
+          </a:p>
+          <a:p>
+            <a:r>
+              <a:rPr lang="en-US" dirty="0" smtClean="0"/>
+              <a:t>Function Size</a:t>
+            </a:r>
+          </a:p>
+          <a:p>
+            <a:r>
+              <a:rPr lang="en-US" dirty="0" smtClean="0"/>
+              <a:t>Comments</a:t>
+            </a:r>
+          </a:p>
+        </p:txBody>
+      </p:sp>
+    </p:spTree>
+    <p:extLst>
+      <p:ext uri="{BB962C8B-B14F-4D97-AF65-F5344CB8AC3E}">
+        <p14:creationId xmlns:p14="http://schemas.microsoft.com/office/powerpoint/2010/main" val="1181512862"/>
+      </p:ext>
+    </p:extLst>
+  </p:cSld>
+  <p:clrMapOvr>
+    <a:masterClrMapping/>
+  </p:clrMapOvr>
+  <p:timing>
+    <p:tnLst>
+      <p:par>
+        <p:cTn id="1" dur="indefinite" restart="never" nodeType="tmRoot"/>
+      </p:par>
+    </p:tnLst>
+  </p:timing>
+</p:sld>
+</file>
+
+<file path=ppt/slides/slide7.xml><?xml version="1.0" encoding="utf-8"?>
+<p:sld xmlns:a="http://schemas.openxmlformats.org/drawingml/2006/main" xmlns:r="http://schemas.openxmlformats.org/officeDocument/2006/relationships" xmlns:p="http://schemas.openxmlformats.org/presentationml/2006/main">
+  <p:cSld>
+    <p:spTree>
+      <p:nvGrpSpPr>
+        <p:cNvPr id="1" name=""/>
+        <p:cNvGrpSpPr/>
+        <p:nvPr/>
+      </p:nvGrpSpPr>
+      <p:grpSpPr>
+        <a:xfrm>
+          <a:off x="0" y="0"/>
+          <a:ext cx="0" cy="0"/>
+          <a:chOff x="0" y="0"/>
+          <a:chExt cx="0" cy="0"/>
+        </a:xfrm>
+      </p:grpSpPr>
+      <p:sp>
+        <p:nvSpPr>
+          <p:cNvPr id="2" name="Title 1"/>
+          <p:cNvSpPr>
+            <a:spLocks noGrp="1"/>
+          </p:cNvSpPr>
+          <p:nvPr>
+            <p:ph type="title"/>
+          </p:nvPr>
+        </p:nvSpPr>
+        <p:spPr/>
+        <p:txBody>
+          <a:bodyPr/>
+          <a:lstStyle/>
+          <a:p>
+            <a:r>
+              <a:rPr lang="en-US" dirty="0" smtClean="0"/>
+              <a:t>Why use an API</a:t>
+            </a:r>
+            <a:endParaRPr lang="en-US" dirty="0"/>
+          </a:p>
+        </p:txBody>
+      </p:sp>
+      <p:sp>
+        <p:nvSpPr>
+          <p:cNvPr id="3" name="Content Placeholder 2"/>
+          <p:cNvSpPr>
+            <a:spLocks noGrp="1"/>
+          </p:cNvSpPr>
+          <p:nvPr>
+            <p:ph idx="1"/>
+          </p:nvPr>
+        </p:nvSpPr>
+        <p:spPr/>
+        <p:txBody>
+          <a:bodyPr/>
+          <a:lstStyle/>
+          <a:p>
+            <a:r>
+              <a:rPr lang="en-US" dirty="0" smtClean="0"/>
               <a:t>Abstraction</a:t>
             </a:r>
           </a:p>
           <a:p>
             <a:r>
-              <a:rPr lang="en-US" dirty="0" err="1" smtClean="0"/>
-              <a:t>Lusers</a:t>
-            </a:r>
-            <a:r>
               <a:rPr lang="en-US" dirty="0" smtClean="0"/>
-              <a:t> (Hide Implementation)</a:t>
+              <a:t>Users </a:t>
+            </a:r>
+            <a:r>
+              <a:rPr lang="en-US" dirty="0" smtClean="0"/>
+              <a:t>(Hide Implementation)</a:t>
             </a:r>
           </a:p>
           <a:p>
@@ -3571,6 +5728,129 @@
   <p:clrMapOvr>
     <a:masterClrMapping/>
   </p:clrMapOvr>
+  <p:timing>
+    <p:tnLst>
+      <p:par>
+        <p:cTn id="1" dur="indefinite" restart="never" nodeType="tmRoot"/>
+      </p:par>
+    </p:tnLst>
+  </p:timing>
+</p:sld>
+</file>
+
+<file path=ppt/slides/slide8.xml><?xml version="1.0" encoding="utf-8"?>
+<p:sld xmlns:a="http://schemas.openxmlformats.org/drawingml/2006/main" xmlns:r="http://schemas.openxmlformats.org/officeDocument/2006/relationships" xmlns:p="http://schemas.openxmlformats.org/presentationml/2006/main">
+  <p:cSld>
+    <p:spTree>
+      <p:nvGrpSpPr>
+        <p:cNvPr id="1" name=""/>
+        <p:cNvGrpSpPr/>
+        <p:nvPr/>
+      </p:nvGrpSpPr>
+      <p:grpSpPr>
+        <a:xfrm>
+          <a:off x="0" y="0"/>
+          <a:ext cx="0" cy="0"/>
+          <a:chOff x="0" y="0"/>
+          <a:chExt cx="0" cy="0"/>
+        </a:xfrm>
+      </p:grpSpPr>
+      <p:sp>
+        <p:nvSpPr>
+          <p:cNvPr id="2" name="Title 1"/>
+          <p:cNvSpPr>
+            <a:spLocks noGrp="1"/>
+          </p:cNvSpPr>
+          <p:nvPr>
+            <p:ph type="title"/>
+          </p:nvPr>
+        </p:nvSpPr>
+        <p:spPr/>
+        <p:txBody>
+          <a:bodyPr/>
+          <a:lstStyle/>
+          <a:p>
+            <a:r>
+              <a:rPr lang="en-US" dirty="0" smtClean="0"/>
+              <a:t>Software Implementation</a:t>
+            </a:r>
+            <a:endParaRPr lang="en-US" dirty="0"/>
+          </a:p>
+        </p:txBody>
+      </p:sp>
+      <p:sp>
+        <p:nvSpPr>
+          <p:cNvPr id="3" name="Content Placeholder 2"/>
+          <p:cNvSpPr>
+            <a:spLocks noGrp="1"/>
+          </p:cNvSpPr>
+          <p:nvPr>
+            <p:ph idx="1"/>
+          </p:nvPr>
+        </p:nvSpPr>
+        <p:spPr/>
+        <p:txBody>
+          <a:bodyPr/>
+          <a:lstStyle/>
+          <a:p>
+            <a:r>
+              <a:rPr lang="en-US" dirty="0" err="1" smtClean="0"/>
+              <a:t>Pimpl</a:t>
+            </a:r>
+            <a:r>
+              <a:rPr lang="en-US" dirty="0" smtClean="0"/>
+              <a:t> Idiom</a:t>
+            </a:r>
+          </a:p>
+          <a:p>
+            <a:pPr lvl="1"/>
+            <a:r>
+              <a:rPr lang="en-US" dirty="0" smtClean="0"/>
+              <a:t>Advantages</a:t>
+            </a:r>
+          </a:p>
+          <a:p>
+            <a:pPr lvl="1"/>
+            <a:r>
+              <a:rPr lang="en-US" dirty="0" smtClean="0"/>
+              <a:t>Disadvantages</a:t>
+            </a:r>
+            <a:endParaRPr lang="en-US" dirty="0" smtClean="0"/>
+          </a:p>
+          <a:p>
+            <a:r>
+              <a:rPr lang="en-US" dirty="0" smtClean="0"/>
+              <a:t>Threading</a:t>
+            </a:r>
+          </a:p>
+          <a:p>
+            <a:endParaRPr lang="en-US" dirty="0" smtClean="0"/>
+          </a:p>
+          <a:p>
+            <a:endParaRPr lang="en-US" dirty="0" smtClean="0"/>
+          </a:p>
+          <a:p>
+            <a:endParaRPr lang="en-US" dirty="0"/>
+          </a:p>
+        </p:txBody>
+      </p:sp>
+    </p:spTree>
+    <p:extLst>
+      <p:ext uri="{BB962C8B-B14F-4D97-AF65-F5344CB8AC3E}">
+        <p14:creationId xmlns:p14="http://schemas.microsoft.com/office/powerpoint/2010/main" val="4066566472"/>
+      </p:ext>
+    </p:extLst>
+  </p:cSld>
+  <p:clrMapOvr>
+    <a:masterClrMapping/>
+  </p:clrMapOvr>
+  <p:timing>
+    <p:tnLst>
+      <p:par>
+        <p:cTn id="1" dur="indefinite" restart="never" nodeType="tmRoot"/>
+      </p:par>
+    </p:tnLst>
+  </p:timing>
 </p:sld>
 </file>
 
